--- a/Websocket/Websocket.pptx
+++ b/Websocket/Websocket.pptx
@@ -3085,7 +3085,11 @@
           <a:bodyPr/>
           <a:lstStyle/>
           <a:p>
-            <a:endParaRPr lang="fr-BE"/>
+            <a:r>
+              <a:rPr lang="fr-BE" dirty="0" err="1" smtClean="0"/>
+              <a:t>Websocket</a:t>
+            </a:r>
+            <a:endParaRPr lang="fr-BE" dirty="0"/>
           </a:p>
         </p:txBody>
       </p:sp>
@@ -3104,7 +3108,27 @@
           <a:bodyPr/>
           <a:lstStyle/>
           <a:p>
-            <a:endParaRPr lang="fr-BE"/>
+            <a:pPr marL="0" indent="0">
+              <a:buNone/>
+            </a:pPr>
+            <a:r>
+              <a:rPr lang="fr-BE" dirty="0" smtClean="0"/>
+              <a:t>Le web socket est une technologie </a:t>
+            </a:r>
+            <a:r>
+              <a:rPr lang="fr-FR" dirty="0" err="1" smtClean="0"/>
+              <a:t>bi-directionnels</a:t>
+            </a:r>
+            <a:r>
+              <a:rPr lang="fr-FR" dirty="0" smtClean="0"/>
+              <a:t>, canaux full-duplex de communication, sur une seule (TCP Transmission Control Protocol) prise. Il est conçu pour être mis en œuvre dans les navigateurs Web et des serveurs Web, mais il peut être utilisé par une application client ou serveur.</a:t>
+            </a:r>
+          </a:p>
+          <a:p>
+            <a:pPr marL="0" indent="0">
+              <a:buNone/>
+            </a:pPr>
+            <a:endParaRPr lang="fr-BE" dirty="0"/>
           </a:p>
         </p:txBody>
       </p:sp>

--- a/Websocket/Websocket.pptx
+++ b/Websocket/Websocket.pptx
@@ -7,6 +7,16 @@
   <p:sldIdLst>
     <p:sldId id="256" r:id="rId2"/>
     <p:sldId id="257" r:id="rId3"/>
+    <p:sldId id="258" r:id="rId4"/>
+    <p:sldId id="259" r:id="rId5"/>
+    <p:sldId id="260" r:id="rId6"/>
+    <p:sldId id="261" r:id="rId7"/>
+    <p:sldId id="262" r:id="rId8"/>
+    <p:sldId id="263" r:id="rId9"/>
+    <p:sldId id="264" r:id="rId10"/>
+    <p:sldId id="265" r:id="rId11"/>
+    <p:sldId id="266" r:id="rId12"/>
+    <p:sldId id="267" r:id="rId13"/>
   </p:sldIdLst>
   <p:sldSz cx="12192000" cy="6858000"/>
   <p:notesSz cx="6858000" cy="9144000"/>
@@ -105,6 +115,11 @@
       </a:defRPr>
     </a:lvl9pPr>
   </p:defaultTextStyle>
+  <p:extLst>
+    <p:ext uri="{EFAFB233-063F-42B5-8137-9DF3F51BA10A}">
+      <p15:sldGuideLst xmlns:p15="http://schemas.microsoft.com/office/powerpoint/2012/main"/>
+    </p:ext>
+  </p:extLst>
 </p:presentation>
 </file>
 
@@ -239,7 +254,7 @@
           <a:p>
             <a:fld id="{34AEC932-2E84-46FE-BE94-3D090A07DA90}" type="datetimeFigureOut">
               <a:rPr lang="fr-BE" smtClean="0"/>
-              <a:t>03-01-16</a:t>
+              <a:t>09-01-16</a:t>
             </a:fld>
             <a:endParaRPr lang="fr-BE"/>
           </a:p>
@@ -409,7 +424,7 @@
           <a:p>
             <a:fld id="{34AEC932-2E84-46FE-BE94-3D090A07DA90}" type="datetimeFigureOut">
               <a:rPr lang="fr-BE" smtClean="0"/>
-              <a:t>03-01-16</a:t>
+              <a:t>09-01-16</a:t>
             </a:fld>
             <a:endParaRPr lang="fr-BE"/>
           </a:p>
@@ -589,7 +604,7 @@
           <a:p>
             <a:fld id="{34AEC932-2E84-46FE-BE94-3D090A07DA90}" type="datetimeFigureOut">
               <a:rPr lang="fr-BE" smtClean="0"/>
-              <a:t>03-01-16</a:t>
+              <a:t>09-01-16</a:t>
             </a:fld>
             <a:endParaRPr lang="fr-BE"/>
           </a:p>
@@ -759,7 +774,7 @@
           <a:p>
             <a:fld id="{34AEC932-2E84-46FE-BE94-3D090A07DA90}" type="datetimeFigureOut">
               <a:rPr lang="fr-BE" smtClean="0"/>
-              <a:t>03-01-16</a:t>
+              <a:t>09-01-16</a:t>
             </a:fld>
             <a:endParaRPr lang="fr-BE"/>
           </a:p>
@@ -1005,7 +1020,7 @@
           <a:p>
             <a:fld id="{34AEC932-2E84-46FE-BE94-3D090A07DA90}" type="datetimeFigureOut">
               <a:rPr lang="fr-BE" smtClean="0"/>
-              <a:t>03-01-16</a:t>
+              <a:t>09-01-16</a:t>
             </a:fld>
             <a:endParaRPr lang="fr-BE"/>
           </a:p>
@@ -1237,7 +1252,7 @@
           <a:p>
             <a:fld id="{34AEC932-2E84-46FE-BE94-3D090A07DA90}" type="datetimeFigureOut">
               <a:rPr lang="fr-BE" smtClean="0"/>
-              <a:t>03-01-16</a:t>
+              <a:t>09-01-16</a:t>
             </a:fld>
             <a:endParaRPr lang="fr-BE"/>
           </a:p>
@@ -1604,7 +1619,7 @@
           <a:p>
             <a:fld id="{34AEC932-2E84-46FE-BE94-3D090A07DA90}" type="datetimeFigureOut">
               <a:rPr lang="fr-BE" smtClean="0"/>
-              <a:t>03-01-16</a:t>
+              <a:t>09-01-16</a:t>
             </a:fld>
             <a:endParaRPr lang="fr-BE"/>
           </a:p>
@@ -1722,7 +1737,7 @@
           <a:p>
             <a:fld id="{34AEC932-2E84-46FE-BE94-3D090A07DA90}" type="datetimeFigureOut">
               <a:rPr lang="fr-BE" smtClean="0"/>
-              <a:t>03-01-16</a:t>
+              <a:t>09-01-16</a:t>
             </a:fld>
             <a:endParaRPr lang="fr-BE"/>
           </a:p>
@@ -1817,7 +1832,7 @@
           <a:p>
             <a:fld id="{34AEC932-2E84-46FE-BE94-3D090A07DA90}" type="datetimeFigureOut">
               <a:rPr lang="fr-BE" smtClean="0"/>
-              <a:t>03-01-16</a:t>
+              <a:t>09-01-16</a:t>
             </a:fld>
             <a:endParaRPr lang="fr-BE"/>
           </a:p>
@@ -2094,7 +2109,7 @@
           <a:p>
             <a:fld id="{34AEC932-2E84-46FE-BE94-3D090A07DA90}" type="datetimeFigureOut">
               <a:rPr lang="fr-BE" smtClean="0"/>
-              <a:t>03-01-16</a:t>
+              <a:t>09-01-16</a:t>
             </a:fld>
             <a:endParaRPr lang="fr-BE"/>
           </a:p>
@@ -2347,7 +2362,7 @@
           <a:p>
             <a:fld id="{34AEC932-2E84-46FE-BE94-3D090A07DA90}" type="datetimeFigureOut">
               <a:rPr lang="fr-BE" smtClean="0"/>
-              <a:t>03-01-16</a:t>
+              <a:t>09-01-16</a:t>
             </a:fld>
             <a:endParaRPr lang="fr-BE"/>
           </a:p>
@@ -2560,7 +2575,7 @@
           <a:p>
             <a:fld id="{34AEC932-2E84-46FE-BE94-3D090A07DA90}" type="datetimeFigureOut">
               <a:rPr lang="fr-BE" smtClean="0"/>
-              <a:t>03-01-16</a:t>
+              <a:t>09-01-16</a:t>
             </a:fld>
             <a:endParaRPr lang="fr-BE"/>
           </a:p>
@@ -3050,6 +3065,444 @@
   <p:clrMapOvr>
     <a:masterClrMapping/>
   </p:clrMapOvr>
+  <p:timing>
+    <p:tnLst>
+      <p:par>
+        <p:cTn id="1" dur="indefinite" restart="never" nodeType="tmRoot"/>
+      </p:par>
+    </p:tnLst>
+  </p:timing>
+</p:sld>
+</file>
+
+<file path=ppt/slides/slide10.xml><?xml version="1.0" encoding="utf-8"?>
+<p:sld xmlns:a="http://schemas.openxmlformats.org/drawingml/2006/main" xmlns:r="http://schemas.openxmlformats.org/officeDocument/2006/relationships" xmlns:p="http://schemas.openxmlformats.org/presentationml/2006/main">
+  <p:cSld>
+    <p:spTree>
+      <p:nvGrpSpPr>
+        <p:cNvPr id="1" name=""/>
+        <p:cNvGrpSpPr/>
+        <p:nvPr/>
+      </p:nvGrpSpPr>
+      <p:grpSpPr>
+        <a:xfrm>
+          <a:off x="0" y="0"/>
+          <a:ext cx="0" cy="0"/>
+          <a:chOff x="0" y="0"/>
+          <a:chExt cx="0" cy="0"/>
+        </a:xfrm>
+      </p:grpSpPr>
+      <p:pic>
+        <p:nvPicPr>
+          <p:cNvPr id="5" name="Content Placeholder 4"/>
+          <p:cNvPicPr>
+            <a:picLocks noGrp="1" noChangeAspect="1"/>
+          </p:cNvPicPr>
+          <p:nvPr>
+            <p:ph idx="1"/>
+          </p:nvPr>
+        </p:nvPicPr>
+        <p:blipFill>
+          <a:blip r:embed="rId2"/>
+          <a:stretch>
+            <a:fillRect/>
+          </a:stretch>
+        </p:blipFill>
+        <p:spPr>
+          <a:xfrm>
+            <a:off x="-5953" y="0"/>
+            <a:ext cx="12197953" cy="6277970"/>
+          </a:xfrm>
+          <a:prstGeom prst="rect">
+            <a:avLst/>
+          </a:prstGeom>
+        </p:spPr>
+      </p:pic>
+      <p:sp>
+        <p:nvSpPr>
+          <p:cNvPr id="6" name="Rectangle 5"/>
+          <p:cNvSpPr/>
+          <p:nvPr/>
+        </p:nvSpPr>
+        <p:spPr>
+          <a:xfrm>
+            <a:off x="4646536" y="6387151"/>
+            <a:ext cx="2313821" cy="276999"/>
+          </a:xfrm>
+          <a:prstGeom prst="rect">
+            <a:avLst/>
+          </a:prstGeom>
+          <a:noFill/>
+        </p:spPr>
+        <p:txBody>
+          <a:bodyPr wrap="square" lIns="91440" tIns="45720" rIns="91440" bIns="45720">
+            <a:spAutoFit/>
+          </a:bodyPr>
+          <a:lstStyle/>
+          <a:p>
+            <a:pPr algn="ctr"/>
+            <a:r>
+              <a:rPr lang="en-US" sz="1200" b="0" cap="none" spc="0" dirty="0" smtClean="0">
+                <a:ln w="0"/>
+                <a:solidFill>
+                  <a:schemeClr val="tx1"/>
+                </a:solidFill>
+                <a:effectLst>
+                  <a:outerShdw blurRad="38100" dist="19050" dir="2700000" algn="tl" rotWithShape="0">
+                    <a:schemeClr val="dk1">
+                      <a:alpha val="40000"/>
+                    </a:schemeClr>
+                  </a:outerShdw>
+                </a:effectLst>
+              </a:rPr>
+              <a:t>Figure 1: </a:t>
+            </a:r>
+            <a:r>
+              <a:rPr lang="en-US" sz="1200" b="0" cap="none" spc="0" dirty="0" err="1" smtClean="0">
+                <a:ln w="0"/>
+                <a:solidFill>
+                  <a:schemeClr val="tx1"/>
+                </a:solidFill>
+                <a:effectLst>
+                  <a:outerShdw blurRad="38100" dist="19050" dir="2700000" algn="tl" rotWithShape="0">
+                    <a:schemeClr val="dk1">
+                      <a:alpha val="40000"/>
+                    </a:schemeClr>
+                  </a:outerShdw>
+                </a:effectLst>
+              </a:rPr>
+              <a:t>websocket</a:t>
+            </a:r>
+            <a:r>
+              <a:rPr lang="en-US" sz="1200" b="0" cap="none" spc="0" dirty="0" smtClean="0">
+                <a:ln w="0"/>
+                <a:solidFill>
+                  <a:schemeClr val="tx1"/>
+                </a:solidFill>
+                <a:effectLst>
+                  <a:outerShdw blurRad="38100" dist="19050" dir="2700000" algn="tl" rotWithShape="0">
+                    <a:schemeClr val="dk1">
+                      <a:alpha val="40000"/>
+                    </a:schemeClr>
+                  </a:outerShdw>
+                </a:effectLst>
+              </a:rPr>
+              <a:t> example</a:t>
+            </a:r>
+            <a:endParaRPr lang="en-US" sz="1200" b="0" cap="none" spc="0" dirty="0">
+              <a:ln w="0"/>
+              <a:solidFill>
+                <a:schemeClr val="tx1"/>
+              </a:solidFill>
+              <a:effectLst>
+                <a:outerShdw blurRad="38100" dist="19050" dir="2700000" algn="tl" rotWithShape="0">
+                  <a:schemeClr val="dk1">
+                    <a:alpha val="40000"/>
+                  </a:schemeClr>
+                </a:outerShdw>
+              </a:effectLst>
+            </a:endParaRPr>
+          </a:p>
+        </p:txBody>
+      </p:sp>
+    </p:spTree>
+    <p:extLst>
+      <p:ext uri="{BB962C8B-B14F-4D97-AF65-F5344CB8AC3E}">
+        <p14:creationId xmlns:p14="http://schemas.microsoft.com/office/powerpoint/2010/main" val="1738327311"/>
+      </p:ext>
+    </p:extLst>
+  </p:cSld>
+  <p:clrMapOvr>
+    <a:masterClrMapping/>
+  </p:clrMapOvr>
+  <p:timing>
+    <p:tnLst>
+      <p:par>
+        <p:cTn id="1" dur="indefinite" restart="never" nodeType="tmRoot"/>
+      </p:par>
+    </p:tnLst>
+  </p:timing>
+</p:sld>
+</file>
+
+<file path=ppt/slides/slide11.xml><?xml version="1.0" encoding="utf-8"?>
+<p:sld xmlns:a="http://schemas.openxmlformats.org/drawingml/2006/main" xmlns:r="http://schemas.openxmlformats.org/officeDocument/2006/relationships" xmlns:p="http://schemas.openxmlformats.org/presentationml/2006/main">
+  <p:cSld>
+    <p:spTree>
+      <p:nvGrpSpPr>
+        <p:cNvPr id="1" name=""/>
+        <p:cNvGrpSpPr/>
+        <p:nvPr/>
+      </p:nvGrpSpPr>
+      <p:grpSpPr>
+        <a:xfrm>
+          <a:off x="0" y="0"/>
+          <a:ext cx="0" cy="0"/>
+          <a:chOff x="0" y="0"/>
+          <a:chExt cx="0" cy="0"/>
+        </a:xfrm>
+      </p:grpSpPr>
+      <p:sp>
+        <p:nvSpPr>
+          <p:cNvPr id="2" name="Title 1"/>
+          <p:cNvSpPr>
+            <a:spLocks noGrp="1"/>
+          </p:cNvSpPr>
+          <p:nvPr>
+            <p:ph type="title"/>
+          </p:nvPr>
+        </p:nvSpPr>
+        <p:spPr/>
+        <p:txBody>
+          <a:bodyPr/>
+          <a:lstStyle/>
+          <a:p>
+            <a:endParaRPr lang="fr-BE"/>
+          </a:p>
+        </p:txBody>
+      </p:sp>
+      <p:pic>
+        <p:nvPicPr>
+          <p:cNvPr id="4" name="Content Placeholder 3"/>
+          <p:cNvPicPr>
+            <a:picLocks noGrp="1" noChangeAspect="1"/>
+          </p:cNvPicPr>
+          <p:nvPr>
+            <p:ph idx="1"/>
+          </p:nvPr>
+        </p:nvPicPr>
+        <p:blipFill>
+          <a:blip r:embed="rId2"/>
+          <a:stretch>
+            <a:fillRect/>
+          </a:stretch>
+        </p:blipFill>
+        <p:spPr>
+          <a:xfrm>
+            <a:off x="0" y="0"/>
+            <a:ext cx="12192000" cy="3125337"/>
+          </a:xfrm>
+          <a:prstGeom prst="rect">
+            <a:avLst/>
+          </a:prstGeom>
+        </p:spPr>
+      </p:pic>
+      <p:pic>
+        <p:nvPicPr>
+          <p:cNvPr id="5" name="Picture 4"/>
+          <p:cNvPicPr>
+            <a:picLocks noChangeAspect="1"/>
+          </p:cNvPicPr>
+          <p:nvPr/>
+        </p:nvPicPr>
+        <p:blipFill>
+          <a:blip r:embed="rId3"/>
+          <a:stretch>
+            <a:fillRect/>
+          </a:stretch>
+        </p:blipFill>
+        <p:spPr>
+          <a:xfrm>
+            <a:off x="0" y="3125337"/>
+            <a:ext cx="12192000" cy="2906973"/>
+          </a:xfrm>
+          <a:prstGeom prst="rect">
+            <a:avLst/>
+          </a:prstGeom>
+        </p:spPr>
+      </p:pic>
+      <p:sp>
+        <p:nvSpPr>
+          <p:cNvPr id="6" name="Rectangle 5"/>
+          <p:cNvSpPr/>
+          <p:nvPr/>
+        </p:nvSpPr>
+        <p:spPr>
+          <a:xfrm>
+            <a:off x="4939089" y="6250674"/>
+            <a:ext cx="2313821" cy="276999"/>
+          </a:xfrm>
+          <a:prstGeom prst="rect">
+            <a:avLst/>
+          </a:prstGeom>
+          <a:noFill/>
+        </p:spPr>
+        <p:txBody>
+          <a:bodyPr wrap="square" lIns="91440" tIns="45720" rIns="91440" bIns="45720">
+            <a:spAutoFit/>
+          </a:bodyPr>
+          <a:lstStyle/>
+          <a:p>
+            <a:pPr algn="ctr"/>
+            <a:r>
+              <a:rPr lang="en-US" sz="1200" b="0" cap="none" spc="0" dirty="0" smtClean="0">
+                <a:ln w="0"/>
+                <a:solidFill>
+                  <a:schemeClr val="tx1"/>
+                </a:solidFill>
+                <a:effectLst>
+                  <a:outerShdw blurRad="38100" dist="19050" dir="2700000" algn="tl" rotWithShape="0">
+                    <a:schemeClr val="dk1">
+                      <a:alpha val="40000"/>
+                    </a:schemeClr>
+                  </a:outerShdw>
+                </a:effectLst>
+              </a:rPr>
+              <a:t>Figure 2: </a:t>
+            </a:r>
+            <a:r>
+              <a:rPr lang="en-US" sz="1200" b="0" cap="none" spc="0" dirty="0" err="1" smtClean="0">
+                <a:ln w="0"/>
+                <a:solidFill>
+                  <a:schemeClr val="tx1"/>
+                </a:solidFill>
+                <a:effectLst>
+                  <a:outerShdw blurRad="38100" dist="19050" dir="2700000" algn="tl" rotWithShape="0">
+                    <a:schemeClr val="dk1">
+                      <a:alpha val="40000"/>
+                    </a:schemeClr>
+                  </a:outerShdw>
+                </a:effectLst>
+              </a:rPr>
+              <a:t>SignalR</a:t>
+            </a:r>
+            <a:r>
+              <a:rPr lang="en-US" sz="1200" b="0" cap="none" spc="0" dirty="0" smtClean="0">
+                <a:ln w="0"/>
+                <a:solidFill>
+                  <a:schemeClr val="tx1"/>
+                </a:solidFill>
+                <a:effectLst>
+                  <a:outerShdw blurRad="38100" dist="19050" dir="2700000" algn="tl" rotWithShape="0">
+                    <a:schemeClr val="dk1">
+                      <a:alpha val="40000"/>
+                    </a:schemeClr>
+                  </a:outerShdw>
+                </a:effectLst>
+              </a:rPr>
+              <a:t> chat system</a:t>
+            </a:r>
+            <a:endParaRPr lang="en-US" sz="1200" b="0" cap="none" spc="0" dirty="0">
+              <a:ln w="0"/>
+              <a:solidFill>
+                <a:schemeClr val="tx1"/>
+              </a:solidFill>
+              <a:effectLst>
+                <a:outerShdw blurRad="38100" dist="19050" dir="2700000" algn="tl" rotWithShape="0">
+                  <a:schemeClr val="dk1">
+                    <a:alpha val="40000"/>
+                  </a:schemeClr>
+                </a:outerShdw>
+              </a:effectLst>
+            </a:endParaRPr>
+          </a:p>
+        </p:txBody>
+      </p:sp>
+    </p:spTree>
+    <p:extLst>
+      <p:ext uri="{BB962C8B-B14F-4D97-AF65-F5344CB8AC3E}">
+        <p14:creationId xmlns:p14="http://schemas.microsoft.com/office/powerpoint/2010/main" val="3801540842"/>
+      </p:ext>
+    </p:extLst>
+  </p:cSld>
+  <p:clrMapOvr>
+    <a:masterClrMapping/>
+  </p:clrMapOvr>
+  <p:timing>
+    <p:tnLst>
+      <p:par>
+        <p:cTn id="1" dur="indefinite" restart="never" nodeType="tmRoot"/>
+      </p:par>
+    </p:tnLst>
+  </p:timing>
+</p:sld>
+</file>
+
+<file path=ppt/slides/slide12.xml><?xml version="1.0" encoding="utf-8"?>
+<p:sld xmlns:a="http://schemas.openxmlformats.org/drawingml/2006/main" xmlns:r="http://schemas.openxmlformats.org/officeDocument/2006/relationships" xmlns:p="http://schemas.openxmlformats.org/presentationml/2006/main">
+  <p:cSld>
+    <p:spTree>
+      <p:nvGrpSpPr>
+        <p:cNvPr id="1" name=""/>
+        <p:cNvGrpSpPr/>
+        <p:nvPr/>
+      </p:nvGrpSpPr>
+      <p:grpSpPr>
+        <a:xfrm>
+          <a:off x="0" y="0"/>
+          <a:ext cx="0" cy="0"/>
+          <a:chOff x="0" y="0"/>
+          <a:chExt cx="0" cy="0"/>
+        </a:xfrm>
+      </p:grpSpPr>
+      <p:sp>
+        <p:nvSpPr>
+          <p:cNvPr id="4" name="Rectangle 3"/>
+          <p:cNvSpPr/>
+          <p:nvPr/>
+        </p:nvSpPr>
+        <p:spPr>
+          <a:xfrm>
+            <a:off x="5193606" y="2967335"/>
+            <a:ext cx="1804788" cy="1754326"/>
+          </a:xfrm>
+          <a:prstGeom prst="rect">
+            <a:avLst/>
+          </a:prstGeom>
+          <a:noFill/>
+        </p:spPr>
+        <p:txBody>
+          <a:bodyPr wrap="none" lIns="91440" tIns="45720" rIns="91440" bIns="45720">
+            <a:spAutoFit/>
+          </a:bodyPr>
+          <a:lstStyle/>
+          <a:p>
+            <a:pPr algn="ctr"/>
+            <a:r>
+              <a:rPr lang="en-US" sz="5400" b="0" cap="none" spc="0" dirty="0" smtClean="0">
+                <a:ln w="0"/>
+                <a:solidFill>
+                  <a:schemeClr val="tx1"/>
+                </a:solidFill>
+                <a:effectLst>
+                  <a:outerShdw blurRad="38100" dist="19050" dir="2700000" algn="tl" rotWithShape="0">
+                    <a:schemeClr val="dk1">
+                      <a:alpha val="40000"/>
+                    </a:schemeClr>
+                  </a:outerShdw>
+                </a:effectLst>
+              </a:rPr>
+              <a:t>Merci</a:t>
+            </a:r>
+          </a:p>
+          <a:p>
+            <a:pPr algn="ctr"/>
+            <a:endParaRPr lang="en-US" sz="5400" b="0" cap="none" spc="0" dirty="0">
+              <a:ln w="0"/>
+              <a:solidFill>
+                <a:schemeClr val="tx1"/>
+              </a:solidFill>
+              <a:effectLst>
+                <a:outerShdw blurRad="38100" dist="19050" dir="2700000" algn="tl" rotWithShape="0">
+                  <a:schemeClr val="dk1">
+                    <a:alpha val="40000"/>
+                  </a:schemeClr>
+                </a:outerShdw>
+              </a:effectLst>
+            </a:endParaRPr>
+          </a:p>
+        </p:txBody>
+      </p:sp>
+    </p:spTree>
+    <p:extLst>
+      <p:ext uri="{BB962C8B-B14F-4D97-AF65-F5344CB8AC3E}">
+        <p14:creationId xmlns:p14="http://schemas.microsoft.com/office/powerpoint/2010/main" val="176457681"/>
+      </p:ext>
+    </p:extLst>
+  </p:cSld>
+  <p:clrMapOvr>
+    <a:masterClrMapping/>
+  </p:clrMapOvr>
 </p:sld>
 </file>
 
@@ -3121,13 +3574,66 @@
             </a:r>
             <a:r>
               <a:rPr lang="fr-FR" dirty="0" smtClean="0"/>
-              <a:t>, canaux full-duplex de communication, sur une seule (TCP Transmission Control Protocol) prise. Il est conçu pour être mis en œuvre dans les navigateurs Web et des serveurs Web, mais il peut être utilisé par une application client ou serveur.</a:t>
-            </a:r>
-          </a:p>
-          <a:p>
-            <a:pPr marL="0" indent="0">
-              <a:buNone/>
-            </a:pPr>
+              <a:t>, canaux full-duplex de communication, </a:t>
+            </a:r>
+            <a:r>
+              <a:rPr lang="fr-FR" dirty="0" smtClean="0"/>
+              <a:t>(TCP </a:t>
+            </a:r>
+            <a:r>
+              <a:rPr lang="fr-FR" dirty="0" smtClean="0"/>
+              <a:t>Transmission Control Protocol</a:t>
+            </a:r>
+            <a:r>
+              <a:rPr lang="fr-FR" dirty="0" smtClean="0"/>
+              <a:t>). </a:t>
+            </a:r>
+            <a:r>
+              <a:rPr lang="fr-FR" dirty="0" smtClean="0"/>
+              <a:t>Il est conçu pour être mis en œuvre dans les navigateurs Web et des serveurs Web, mais il peut être utilisé par une application client ou serveur.</a:t>
+            </a:r>
+          </a:p>
+          <a:p>
+            <a:pPr marL="0" indent="0">
+              <a:buNone/>
+            </a:pPr>
+            <a:r>
+              <a:rPr lang="fr-BE" dirty="0" smtClean="0"/>
+              <a:t>Comme Web socket est un </a:t>
+            </a:r>
+            <a:r>
+              <a:rPr lang="fr-BE" dirty="0" err="1" smtClean="0"/>
+              <a:t>Tcp</a:t>
+            </a:r>
+            <a:r>
+              <a:rPr lang="fr-BE" dirty="0" smtClean="0"/>
+              <a:t> </a:t>
+            </a:r>
+            <a:r>
+              <a:rPr lang="fr-BE" dirty="0" err="1" smtClean="0"/>
+              <a:t>protocol,la</a:t>
+            </a:r>
+            <a:r>
+              <a:rPr lang="fr-BE" dirty="0" smtClean="0"/>
+              <a:t> phase du </a:t>
+            </a:r>
+            <a:r>
+              <a:rPr lang="fr-BE" dirty="0" err="1" smtClean="0"/>
+              <a:t>handshake</a:t>
+            </a:r>
+            <a:r>
+              <a:rPr lang="fr-BE" dirty="0" smtClean="0"/>
+              <a:t> entre les deux nœud est obligatoire</a:t>
+            </a:r>
+          </a:p>
+          <a:p>
+            <a:pPr marL="0" indent="0">
+              <a:buNone/>
+            </a:pPr>
+            <a:r>
+              <a:rPr lang="fr-BE" dirty="0" smtClean="0"/>
+              <a:t> </a:t>
+            </a:r>
             <a:endParaRPr lang="fr-BE" dirty="0"/>
           </a:p>
         </p:txBody>
@@ -3142,6 +3648,3356 @@
   <p:clrMapOvr>
     <a:masterClrMapping/>
   </p:clrMapOvr>
+  <p:timing>
+    <p:tnLst>
+      <p:par>
+        <p:cTn id="1" dur="indefinite" restart="never" nodeType="tmRoot"/>
+      </p:par>
+    </p:tnLst>
+  </p:timing>
+</p:sld>
+</file>
+
+<file path=ppt/slides/slide3.xml><?xml version="1.0" encoding="utf-8"?>
+<p:sld xmlns:a="http://schemas.openxmlformats.org/drawingml/2006/main" xmlns:r="http://schemas.openxmlformats.org/officeDocument/2006/relationships" xmlns:p="http://schemas.openxmlformats.org/presentationml/2006/main">
+  <p:cSld>
+    <p:spTree>
+      <p:nvGrpSpPr>
+        <p:cNvPr id="1" name=""/>
+        <p:cNvGrpSpPr/>
+        <p:nvPr/>
+      </p:nvGrpSpPr>
+      <p:grpSpPr>
+        <a:xfrm>
+          <a:off x="0" y="0"/>
+          <a:ext cx="0" cy="0"/>
+          <a:chOff x="0" y="0"/>
+          <a:chExt cx="0" cy="0"/>
+        </a:xfrm>
+      </p:grpSpPr>
+      <p:sp>
+        <p:nvSpPr>
+          <p:cNvPr id="2" name="Title 1"/>
+          <p:cNvSpPr>
+            <a:spLocks noGrp="1"/>
+          </p:cNvSpPr>
+          <p:nvPr>
+            <p:ph type="title"/>
+          </p:nvPr>
+        </p:nvSpPr>
+        <p:spPr/>
+        <p:txBody>
+          <a:bodyPr/>
+          <a:lstStyle/>
+          <a:p>
+            <a:r>
+              <a:rPr lang="fr-BE" u="sng" dirty="0" err="1" smtClean="0"/>
+              <a:t>Handshake</a:t>
+            </a:r>
+            <a:endParaRPr lang="fr-BE" u="sng" dirty="0"/>
+          </a:p>
+        </p:txBody>
+      </p:sp>
+      <p:sp>
+        <p:nvSpPr>
+          <p:cNvPr id="3" name="Content Placeholder 2"/>
+          <p:cNvSpPr>
+            <a:spLocks noGrp="1"/>
+          </p:cNvSpPr>
+          <p:nvPr>
+            <p:ph idx="1"/>
+          </p:nvPr>
+        </p:nvSpPr>
+        <p:spPr>
+          <a:xfrm>
+            <a:off x="95534" y="1378424"/>
+            <a:ext cx="11258266" cy="5479576"/>
+          </a:xfrm>
+        </p:spPr>
+        <p:txBody>
+          <a:bodyPr>
+            <a:normAutofit lnSpcReduction="10000"/>
+          </a:bodyPr>
+          <a:lstStyle/>
+          <a:p>
+            <a:pPr marL="0" indent="0">
+              <a:buNone/>
+            </a:pPr>
+            <a:r>
+              <a:rPr lang="fr-FR" sz="1200" dirty="0"/>
+              <a:t>Pour établir une connexion </a:t>
+            </a:r>
+            <a:r>
+              <a:rPr lang="fr-FR" sz="1200" dirty="0" err="1"/>
+              <a:t>WebSocket</a:t>
+            </a:r>
+            <a:r>
+              <a:rPr lang="fr-FR" sz="1200" dirty="0"/>
+              <a:t>, le client envoie une demande d'établissement de liaison </a:t>
+            </a:r>
+            <a:r>
+              <a:rPr lang="fr-FR" sz="1200" dirty="0" err="1" smtClean="0"/>
+              <a:t>WebSocket</a:t>
+            </a:r>
+            <a:r>
+              <a:rPr lang="fr-FR" sz="1200" dirty="0" smtClean="0"/>
+              <a:t> où (</a:t>
+            </a:r>
+            <a:r>
+              <a:rPr lang="fr-FR" sz="1200" dirty="0" err="1" smtClean="0"/>
+              <a:t>Handshake</a:t>
+            </a:r>
+            <a:r>
+              <a:rPr lang="fr-FR" sz="1200" dirty="0" smtClean="0"/>
+              <a:t> </a:t>
+            </a:r>
+            <a:r>
+              <a:rPr lang="fr-FR" sz="1200" dirty="0" err="1" smtClean="0"/>
+              <a:t>request</a:t>
+            </a:r>
+            <a:r>
+              <a:rPr lang="fr-FR" sz="1200" dirty="0" smtClean="0"/>
+              <a:t>), </a:t>
+            </a:r>
+            <a:r>
+              <a:rPr lang="fr-FR" sz="1200" dirty="0"/>
+              <a:t>pour lequel le serveur renvoie une réponse </a:t>
+            </a:r>
+            <a:r>
+              <a:rPr lang="fr-FR" sz="1200" dirty="0" smtClean="0"/>
+              <a:t>d'établissement </a:t>
+            </a:r>
+            <a:r>
+              <a:rPr lang="fr-FR" sz="1200" dirty="0"/>
+              <a:t>où (</a:t>
+            </a:r>
+            <a:r>
+              <a:rPr lang="fr-FR" sz="1200" dirty="0" err="1"/>
+              <a:t>Handshake</a:t>
+            </a:r>
+            <a:r>
+              <a:rPr lang="fr-FR" sz="1200" dirty="0"/>
+              <a:t> </a:t>
+            </a:r>
+            <a:r>
+              <a:rPr lang="fr-FR" sz="1200" dirty="0" err="1" smtClean="0"/>
+              <a:t>response</a:t>
+            </a:r>
+            <a:r>
+              <a:rPr lang="fr-FR" sz="1200" dirty="0" smtClean="0"/>
+              <a:t>) comme indique l’exemple si dessous : </a:t>
+            </a:r>
+          </a:p>
+          <a:p>
+            <a:pPr marL="0" indent="0">
+              <a:buNone/>
+            </a:pPr>
+            <a:endParaRPr lang="fr-FR" sz="1200" dirty="0" smtClean="0"/>
+          </a:p>
+          <a:p>
+            <a:pPr marL="0" indent="0">
+              <a:buNone/>
+            </a:pPr>
+            <a:r>
+              <a:rPr lang="fr-FR" sz="1400" u="sng" dirty="0" smtClean="0"/>
+              <a:t>Client( le browser): </a:t>
+            </a:r>
+            <a:endParaRPr lang="fr-FR" u="sng" dirty="0" smtClean="0"/>
+          </a:p>
+          <a:p>
+            <a:pPr marL="0" indent="0">
+              <a:buNone/>
+            </a:pPr>
+            <a:r>
+              <a:rPr lang="fr-FR" sz="1400" b="1" dirty="0"/>
+              <a:t>GET /chat HTTP/1.1</a:t>
+            </a:r>
+          </a:p>
+          <a:p>
+            <a:pPr marL="0" indent="0">
+              <a:buNone/>
+            </a:pPr>
+            <a:r>
+              <a:rPr lang="fr-FR" sz="1400" b="1" dirty="0"/>
+              <a:t>Host: </a:t>
+            </a:r>
+            <a:r>
+              <a:rPr lang="fr-FR" sz="1400" b="1" dirty="0" smtClean="0"/>
+              <a:t>server.example.com  </a:t>
+            </a:r>
+            <a:r>
+              <a:rPr lang="fr-FR" sz="1400" b="1" dirty="0" smtClean="0">
+                <a:solidFill>
+                  <a:schemeClr val="accent6"/>
+                </a:solidFill>
+              </a:rPr>
+              <a:t>// le serveur qui va accepter la </a:t>
+            </a:r>
+            <a:r>
+              <a:rPr lang="fr-FR" sz="1400" b="1" dirty="0" err="1" smtClean="0">
+                <a:solidFill>
+                  <a:schemeClr val="accent6"/>
+                </a:solidFill>
+              </a:rPr>
+              <a:t>connextion</a:t>
+            </a:r>
+            <a:endParaRPr lang="fr-FR" sz="1400" b="1" dirty="0"/>
+          </a:p>
+          <a:p>
+            <a:pPr marL="0" indent="0">
+              <a:buNone/>
+            </a:pPr>
+            <a:r>
+              <a:rPr lang="fr-FR" sz="1400" b="1" dirty="0"/>
+              <a:t>Upgrade: </a:t>
+            </a:r>
+            <a:r>
+              <a:rPr lang="fr-FR" sz="1400" b="1" dirty="0" err="1" smtClean="0"/>
+              <a:t>websocket</a:t>
+            </a:r>
+            <a:r>
+              <a:rPr lang="fr-FR" sz="1400" b="1" dirty="0" smtClean="0"/>
+              <a:t> </a:t>
+            </a:r>
+            <a:r>
+              <a:rPr lang="fr-FR" sz="1400" b="1" dirty="0" smtClean="0">
+                <a:solidFill>
+                  <a:schemeClr val="accent6"/>
+                </a:solidFill>
+              </a:rPr>
+              <a:t>// pour </a:t>
+            </a:r>
+            <a:r>
+              <a:rPr lang="fr-FR" sz="1400" b="1" dirty="0" err="1" smtClean="0">
+                <a:solidFill>
+                  <a:schemeClr val="accent6"/>
+                </a:solidFill>
+              </a:rPr>
+              <a:t>suporter</a:t>
+            </a:r>
+            <a:r>
+              <a:rPr lang="fr-FR" sz="1400" b="1" dirty="0" smtClean="0">
+                <a:solidFill>
+                  <a:schemeClr val="accent6"/>
+                </a:solidFill>
+              </a:rPr>
+              <a:t> le </a:t>
+            </a:r>
+            <a:r>
+              <a:rPr lang="fr-FR" sz="1400" b="1" dirty="0" err="1" smtClean="0">
+                <a:solidFill>
+                  <a:schemeClr val="accent6"/>
+                </a:solidFill>
+              </a:rPr>
+              <a:t>websocket</a:t>
+            </a:r>
+            <a:r>
+              <a:rPr lang="fr-FR" sz="1400" b="1" dirty="0" smtClean="0">
+                <a:solidFill>
+                  <a:schemeClr val="accent6"/>
+                </a:solidFill>
+              </a:rPr>
+              <a:t> le </a:t>
+            </a:r>
+            <a:r>
+              <a:rPr lang="fr-FR" sz="1400" b="1" dirty="0" err="1" smtClean="0">
+                <a:solidFill>
+                  <a:schemeClr val="accent6"/>
+                </a:solidFill>
+              </a:rPr>
+              <a:t>broswer</a:t>
+            </a:r>
+            <a:r>
+              <a:rPr lang="fr-FR" sz="1400" b="1" dirty="0" smtClean="0">
+                <a:solidFill>
+                  <a:schemeClr val="accent6"/>
+                </a:solidFill>
+              </a:rPr>
+              <a:t> doit avoir set argument</a:t>
+            </a:r>
+            <a:endParaRPr lang="fr-FR" sz="1400" b="1" dirty="0"/>
+          </a:p>
+          <a:p>
+            <a:pPr marL="0" indent="0">
+              <a:buNone/>
+            </a:pPr>
+            <a:r>
+              <a:rPr lang="fr-FR" sz="1400" b="1" dirty="0" err="1"/>
+              <a:t>Connection</a:t>
+            </a:r>
+            <a:r>
+              <a:rPr lang="fr-FR" sz="1400" b="1" dirty="0"/>
+              <a:t>: </a:t>
+            </a:r>
+            <a:r>
+              <a:rPr lang="fr-FR" sz="1400" b="1" dirty="0" smtClean="0"/>
+              <a:t>Upgrade </a:t>
+            </a:r>
+            <a:r>
+              <a:rPr lang="fr-FR" sz="1400" b="1" dirty="0" smtClean="0">
+                <a:solidFill>
+                  <a:schemeClr val="accent6"/>
+                </a:solidFill>
+              </a:rPr>
+              <a:t>// upgrade la </a:t>
+            </a:r>
+            <a:r>
+              <a:rPr lang="fr-FR" sz="1400" b="1" dirty="0" err="1" smtClean="0">
+                <a:solidFill>
+                  <a:schemeClr val="accent6"/>
+                </a:solidFill>
+              </a:rPr>
+              <a:t>connextion</a:t>
+            </a:r>
+            <a:r>
+              <a:rPr lang="fr-FR" sz="1400" b="1" dirty="0" smtClean="0">
+                <a:solidFill>
+                  <a:schemeClr val="accent6"/>
+                </a:solidFill>
+              </a:rPr>
+              <a:t> a </a:t>
+            </a:r>
+            <a:r>
+              <a:rPr lang="fr-FR" sz="1400" b="1" dirty="0" err="1" smtClean="0">
+                <a:solidFill>
+                  <a:schemeClr val="accent6"/>
+                </a:solidFill>
+              </a:rPr>
+              <a:t>websocket</a:t>
+            </a:r>
+            <a:endParaRPr lang="fr-FR" sz="1400" b="1" dirty="0"/>
+          </a:p>
+          <a:p>
+            <a:pPr marL="0" indent="0">
+              <a:buNone/>
+            </a:pPr>
+            <a:r>
+              <a:rPr lang="fr-FR" sz="1400" b="1" dirty="0"/>
+              <a:t>Sec-</a:t>
+            </a:r>
+            <a:r>
+              <a:rPr lang="fr-FR" sz="1400" b="1" dirty="0" err="1"/>
+              <a:t>WebSocket</a:t>
+            </a:r>
+            <a:r>
+              <a:rPr lang="fr-FR" sz="1400" b="1" dirty="0"/>
+              <a:t>-Key: x3JJHMbDL1EzLkh9GBhXDw</a:t>
+            </a:r>
+            <a:r>
+              <a:rPr lang="fr-FR" sz="1400" b="1" dirty="0" smtClean="0"/>
+              <a:t>== </a:t>
+            </a:r>
+            <a:r>
+              <a:rPr lang="fr-FR" sz="1400" b="1" dirty="0" smtClean="0">
+                <a:solidFill>
+                  <a:schemeClr val="accent6"/>
+                </a:solidFill>
+              </a:rPr>
+              <a:t>// le clé contenant le hash du </a:t>
+            </a:r>
+            <a:r>
+              <a:rPr lang="fr-FR" sz="1400" b="1" dirty="0" err="1" smtClean="0">
+                <a:solidFill>
+                  <a:schemeClr val="accent6"/>
+                </a:solidFill>
+              </a:rPr>
+              <a:t>websocket</a:t>
+            </a:r>
+            <a:endParaRPr lang="fr-FR" sz="1400" b="1" dirty="0"/>
+          </a:p>
+          <a:p>
+            <a:pPr marL="0" indent="0">
+              <a:buNone/>
+            </a:pPr>
+            <a:r>
+              <a:rPr lang="fr-FR" sz="1400" b="1" dirty="0"/>
+              <a:t>Sec-</a:t>
+            </a:r>
+            <a:r>
+              <a:rPr lang="fr-FR" sz="1400" b="1" dirty="0" err="1"/>
+              <a:t>WebSocket</a:t>
+            </a:r>
+            <a:r>
+              <a:rPr lang="fr-FR" sz="1400" b="1" dirty="0"/>
+              <a:t>-Protocol: chat, </a:t>
+            </a:r>
+            <a:r>
+              <a:rPr lang="fr-FR" sz="1400" b="1" dirty="0" err="1" smtClean="0"/>
+              <a:t>superchat</a:t>
+            </a:r>
+            <a:r>
+              <a:rPr lang="fr-FR" sz="1400" b="1" dirty="0" smtClean="0"/>
+              <a:t> </a:t>
+            </a:r>
+            <a:r>
+              <a:rPr lang="fr-FR" sz="1400" b="1" dirty="0" smtClean="0">
+                <a:solidFill>
+                  <a:schemeClr val="accent6"/>
+                </a:solidFill>
+              </a:rPr>
+              <a:t>// le Protocol utiliser entre le client et le serveur si le 1ere n’est pas disponible le 2eme doit </a:t>
+            </a:r>
+            <a:r>
+              <a:rPr lang="fr-FR" sz="1400" b="1" dirty="0" err="1" smtClean="0">
+                <a:solidFill>
+                  <a:schemeClr val="accent6"/>
+                </a:solidFill>
+              </a:rPr>
+              <a:t>etre</a:t>
+            </a:r>
+            <a:r>
+              <a:rPr lang="fr-FR" sz="1400" b="1" dirty="0" smtClean="0">
+                <a:solidFill>
+                  <a:schemeClr val="accent6"/>
+                </a:solidFill>
+              </a:rPr>
+              <a:t> </a:t>
+            </a:r>
+            <a:endParaRPr lang="fr-FR" sz="1400" b="1" dirty="0"/>
+          </a:p>
+          <a:p>
+            <a:pPr marL="0" indent="0">
+              <a:buNone/>
+            </a:pPr>
+            <a:r>
+              <a:rPr lang="fr-FR" sz="1400" b="1" dirty="0"/>
+              <a:t>Sec-</a:t>
+            </a:r>
+            <a:r>
+              <a:rPr lang="fr-FR" sz="1400" b="1" dirty="0" err="1"/>
+              <a:t>WebSocket</a:t>
+            </a:r>
+            <a:r>
+              <a:rPr lang="fr-FR" sz="1400" b="1" dirty="0"/>
+              <a:t>-Version: </a:t>
+            </a:r>
+            <a:r>
+              <a:rPr lang="fr-FR" sz="1400" b="1" dirty="0" smtClean="0"/>
+              <a:t>13 </a:t>
+            </a:r>
+            <a:r>
+              <a:rPr lang="fr-FR" sz="1400" b="1" dirty="0" smtClean="0">
+                <a:solidFill>
+                  <a:schemeClr val="accent6"/>
+                </a:solidFill>
+              </a:rPr>
+              <a:t>// la version du web socket utiliser</a:t>
+            </a:r>
+            <a:endParaRPr lang="fr-FR" sz="1400" b="1" dirty="0"/>
+          </a:p>
+          <a:p>
+            <a:pPr marL="0" indent="0">
+              <a:buNone/>
+            </a:pPr>
+            <a:r>
+              <a:rPr lang="fr-FR" sz="1400" b="1" dirty="0" err="1"/>
+              <a:t>Origin</a:t>
+            </a:r>
+            <a:r>
+              <a:rPr lang="fr-FR" sz="1400" b="1" dirty="0"/>
+              <a:t>: http://example.com</a:t>
+            </a:r>
+            <a:r>
+              <a:rPr lang="fr-FR" sz="1400" dirty="0"/>
+              <a:t> </a:t>
+            </a:r>
+            <a:r>
+              <a:rPr lang="fr-FR" sz="1400" dirty="0" smtClean="0">
+                <a:solidFill>
+                  <a:schemeClr val="accent6"/>
+                </a:solidFill>
+              </a:rPr>
+              <a:t>// l’</a:t>
+            </a:r>
+            <a:r>
+              <a:rPr lang="fr-FR" sz="1400" dirty="0" err="1" smtClean="0">
+                <a:solidFill>
+                  <a:schemeClr val="accent6"/>
+                </a:solidFill>
+              </a:rPr>
+              <a:t>origin</a:t>
+            </a:r>
+            <a:r>
+              <a:rPr lang="fr-FR" sz="1400" dirty="0" smtClean="0">
+                <a:solidFill>
+                  <a:schemeClr val="accent6"/>
+                </a:solidFill>
+              </a:rPr>
+              <a:t> du requête ( le site web )</a:t>
+            </a:r>
+          </a:p>
+          <a:p>
+            <a:pPr marL="0" indent="0">
+              <a:buNone/>
+            </a:pPr>
+            <a:r>
+              <a:rPr lang="fr-FR" sz="1400" u="sng" dirty="0" smtClean="0"/>
+              <a:t>Server :</a:t>
+            </a:r>
+          </a:p>
+          <a:p>
+            <a:pPr marL="0" indent="0">
+              <a:buNone/>
+            </a:pPr>
+            <a:r>
+              <a:rPr lang="fr-FR" sz="1400" b="1" dirty="0"/>
+              <a:t>HTTP/1.1 101 </a:t>
+            </a:r>
+            <a:r>
+              <a:rPr lang="fr-FR" sz="1400" b="1" dirty="0" err="1"/>
+              <a:t>Switching</a:t>
+            </a:r>
+            <a:r>
+              <a:rPr lang="fr-FR" sz="1400" b="1" dirty="0"/>
+              <a:t> </a:t>
+            </a:r>
+            <a:r>
+              <a:rPr lang="fr-FR" sz="1400" b="1" dirty="0" err="1" smtClean="0"/>
+              <a:t>Protocols</a:t>
+            </a:r>
+            <a:r>
+              <a:rPr lang="fr-FR" sz="1400" b="1" dirty="0" smtClean="0"/>
+              <a:t> </a:t>
+            </a:r>
+            <a:r>
+              <a:rPr lang="fr-FR" sz="1400" b="1" dirty="0" smtClean="0">
+                <a:solidFill>
+                  <a:schemeClr val="accent6"/>
+                </a:solidFill>
+              </a:rPr>
+              <a:t>// le </a:t>
+            </a:r>
+            <a:r>
+              <a:rPr lang="fr-FR" sz="1400" b="1" dirty="0" err="1" smtClean="0">
+                <a:solidFill>
+                  <a:schemeClr val="accent6"/>
+                </a:solidFill>
+              </a:rPr>
+              <a:t>protocol</a:t>
+            </a:r>
+            <a:r>
+              <a:rPr lang="fr-FR" sz="1400" b="1" dirty="0" smtClean="0">
+                <a:solidFill>
+                  <a:schemeClr val="accent6"/>
+                </a:solidFill>
+              </a:rPr>
+              <a:t> du </a:t>
+            </a:r>
+            <a:r>
+              <a:rPr lang="fr-FR" sz="1400" b="1" dirty="0" err="1" smtClean="0">
+                <a:solidFill>
+                  <a:schemeClr val="accent6"/>
+                </a:solidFill>
+              </a:rPr>
+              <a:t>switching</a:t>
+            </a:r>
+            <a:r>
+              <a:rPr lang="fr-FR" sz="1400" b="1" dirty="0" smtClean="0">
+                <a:solidFill>
+                  <a:schemeClr val="accent6"/>
+                </a:solidFill>
+              </a:rPr>
+              <a:t> qui va faire le upgrade du enceint http  au nouvelle </a:t>
+            </a:r>
+            <a:r>
+              <a:rPr lang="fr-FR" sz="1400" b="1" dirty="0" err="1" smtClean="0">
+                <a:solidFill>
+                  <a:schemeClr val="accent6"/>
+                </a:solidFill>
+              </a:rPr>
+              <a:t>websocket</a:t>
+            </a:r>
+            <a:r>
+              <a:rPr lang="fr-FR" sz="1400" b="1" dirty="0" smtClean="0">
+                <a:solidFill>
+                  <a:schemeClr val="accent6"/>
+                </a:solidFill>
+              </a:rPr>
+              <a:t> </a:t>
+            </a:r>
+            <a:endParaRPr lang="fr-FR" sz="1400" b="1" dirty="0"/>
+          </a:p>
+          <a:p>
+            <a:pPr marL="0" indent="0">
+              <a:buNone/>
+            </a:pPr>
+            <a:r>
+              <a:rPr lang="fr-FR" sz="1400" b="1" dirty="0"/>
+              <a:t>Upgrade: </a:t>
+            </a:r>
+            <a:r>
+              <a:rPr lang="fr-FR" sz="1400" b="1" dirty="0" err="1" smtClean="0"/>
+              <a:t>websocket</a:t>
+            </a:r>
+            <a:r>
+              <a:rPr lang="fr-FR" sz="1400" b="1" dirty="0" smtClean="0"/>
+              <a:t> </a:t>
+            </a:r>
+            <a:r>
+              <a:rPr lang="fr-FR" sz="1400" b="1" dirty="0">
+                <a:solidFill>
+                  <a:schemeClr val="accent6"/>
+                </a:solidFill>
+              </a:rPr>
+              <a:t>// pour </a:t>
+            </a:r>
+            <a:r>
+              <a:rPr lang="fr-FR" sz="1400" b="1" dirty="0" smtClean="0">
+                <a:solidFill>
+                  <a:schemeClr val="accent6"/>
+                </a:solidFill>
+              </a:rPr>
+              <a:t>supporter </a:t>
+            </a:r>
+            <a:r>
+              <a:rPr lang="fr-FR" sz="1400" b="1" dirty="0">
+                <a:solidFill>
+                  <a:schemeClr val="accent6"/>
+                </a:solidFill>
+              </a:rPr>
+              <a:t>le </a:t>
+            </a:r>
+            <a:r>
+              <a:rPr lang="fr-FR" sz="1400" b="1" dirty="0" err="1">
+                <a:solidFill>
+                  <a:schemeClr val="accent6"/>
+                </a:solidFill>
+              </a:rPr>
+              <a:t>websocket</a:t>
+            </a:r>
+            <a:r>
+              <a:rPr lang="fr-FR" sz="1400" b="1" dirty="0">
+                <a:solidFill>
+                  <a:schemeClr val="accent6"/>
+                </a:solidFill>
+              </a:rPr>
+              <a:t> le </a:t>
+            </a:r>
+            <a:r>
+              <a:rPr lang="fr-FR" sz="1400" b="1" dirty="0" err="1">
+                <a:solidFill>
+                  <a:schemeClr val="accent6"/>
+                </a:solidFill>
+              </a:rPr>
+              <a:t>broswer</a:t>
+            </a:r>
+            <a:r>
+              <a:rPr lang="fr-FR" sz="1400" b="1" dirty="0">
+                <a:solidFill>
+                  <a:schemeClr val="accent6"/>
+                </a:solidFill>
+              </a:rPr>
+              <a:t> doit avoir set argument</a:t>
+            </a:r>
+            <a:endParaRPr lang="fr-FR" sz="1400" b="1" dirty="0"/>
+          </a:p>
+          <a:p>
+            <a:pPr marL="0" indent="0">
+              <a:buNone/>
+            </a:pPr>
+            <a:r>
+              <a:rPr lang="fr-FR" sz="1400" b="1" dirty="0" err="1" smtClean="0"/>
+              <a:t>Connection</a:t>
+            </a:r>
+            <a:r>
+              <a:rPr lang="fr-FR" sz="1400" b="1" dirty="0"/>
+              <a:t>: </a:t>
+            </a:r>
+            <a:r>
+              <a:rPr lang="fr-FR" sz="1400" b="1" dirty="0" smtClean="0"/>
+              <a:t>Upgrade </a:t>
+            </a:r>
+            <a:r>
+              <a:rPr lang="fr-FR" sz="1400" b="1" dirty="0">
+                <a:solidFill>
+                  <a:schemeClr val="accent6"/>
+                </a:solidFill>
+              </a:rPr>
+              <a:t>// upgrade la </a:t>
+            </a:r>
+            <a:r>
+              <a:rPr lang="fr-FR" sz="1400" b="1" dirty="0" smtClean="0">
+                <a:solidFill>
+                  <a:schemeClr val="accent6"/>
+                </a:solidFill>
+              </a:rPr>
+              <a:t>connexion </a:t>
+            </a:r>
+            <a:r>
+              <a:rPr lang="fr-FR" sz="1400" b="1" dirty="0">
+                <a:solidFill>
+                  <a:schemeClr val="accent6"/>
+                </a:solidFill>
+              </a:rPr>
+              <a:t>a </a:t>
+            </a:r>
+            <a:r>
+              <a:rPr lang="fr-FR" sz="1400" b="1" dirty="0" err="1">
+                <a:solidFill>
+                  <a:schemeClr val="accent6"/>
+                </a:solidFill>
+              </a:rPr>
+              <a:t>websocket</a:t>
+            </a:r>
+            <a:endParaRPr lang="fr-FR" sz="1400" b="1" dirty="0"/>
+          </a:p>
+          <a:p>
+            <a:pPr marL="0" indent="0">
+              <a:buNone/>
+            </a:pPr>
+            <a:r>
+              <a:rPr lang="fr-FR" sz="1400" b="1" dirty="0"/>
+              <a:t>Sec-</a:t>
+            </a:r>
+            <a:r>
+              <a:rPr lang="fr-FR" sz="1400" b="1" dirty="0" err="1"/>
+              <a:t>WebSocket</a:t>
+            </a:r>
+            <a:r>
+              <a:rPr lang="fr-FR" sz="1400" b="1" dirty="0"/>
+              <a:t>-</a:t>
+            </a:r>
+            <a:r>
+              <a:rPr lang="fr-FR" sz="1400" b="1" dirty="0" err="1"/>
+              <a:t>Accept</a:t>
+            </a:r>
+            <a:r>
+              <a:rPr lang="fr-FR" sz="1400" b="1" dirty="0"/>
+              <a:t>: HSmrc0sMlYUkAGmm5OPpG2HaGWk</a:t>
+            </a:r>
+            <a:r>
+              <a:rPr lang="fr-FR" sz="1400" b="1" dirty="0" smtClean="0"/>
+              <a:t>= </a:t>
+            </a:r>
+            <a:r>
+              <a:rPr lang="fr-FR" sz="1400" b="1" dirty="0" smtClean="0">
+                <a:solidFill>
+                  <a:schemeClr val="accent6"/>
+                </a:solidFill>
+              </a:rPr>
+              <a:t>// si le clé du client est accepter , la connexion est accepter par suite le client est connecter</a:t>
+            </a:r>
+          </a:p>
+          <a:p>
+            <a:pPr marL="0" indent="0">
+              <a:buNone/>
+            </a:pPr>
+            <a:r>
+              <a:rPr lang="fr-FR" sz="1400" b="1" dirty="0" smtClean="0"/>
+              <a:t>Sec-</a:t>
+            </a:r>
+            <a:r>
+              <a:rPr lang="fr-FR" sz="1400" b="1" dirty="0" err="1" smtClean="0"/>
+              <a:t>WebSocket</a:t>
+            </a:r>
+            <a:r>
+              <a:rPr lang="fr-FR" sz="1400" b="1" dirty="0" smtClean="0"/>
+              <a:t>-Protocol</a:t>
+            </a:r>
+            <a:r>
+              <a:rPr lang="fr-FR" sz="1400" b="1" dirty="0"/>
+              <a:t>: </a:t>
+            </a:r>
+            <a:r>
+              <a:rPr lang="fr-FR" sz="1400" b="1" dirty="0" smtClean="0"/>
+              <a:t>chat </a:t>
+            </a:r>
+            <a:r>
+              <a:rPr lang="fr-FR" sz="1400" b="1" dirty="0">
+                <a:solidFill>
+                  <a:schemeClr val="accent6"/>
+                </a:solidFill>
+              </a:rPr>
+              <a:t>// le Protocol utiliser entre le client et le serveur </a:t>
+            </a:r>
+            <a:endParaRPr lang="fr-FR" sz="1400" b="1" dirty="0"/>
+          </a:p>
+          <a:p>
+            <a:pPr marL="0" indent="0">
+              <a:buNone/>
+            </a:pPr>
+            <a:endParaRPr lang="fr-FR" dirty="0" smtClean="0"/>
+          </a:p>
+          <a:p>
+            <a:pPr marL="0" indent="0">
+              <a:buNone/>
+            </a:pPr>
+            <a:endParaRPr lang="fr-BE" dirty="0"/>
+          </a:p>
+        </p:txBody>
+      </p:sp>
+    </p:spTree>
+    <p:extLst>
+      <p:ext uri="{BB962C8B-B14F-4D97-AF65-F5344CB8AC3E}">
+        <p14:creationId xmlns:p14="http://schemas.microsoft.com/office/powerpoint/2010/main" val="734190008"/>
+      </p:ext>
+    </p:extLst>
+  </p:cSld>
+  <p:clrMapOvr>
+    <a:masterClrMapping/>
+  </p:clrMapOvr>
+  <p:timing>
+    <p:tnLst>
+      <p:par>
+        <p:cTn id="1" dur="indefinite" restart="never" nodeType="tmRoot"/>
+      </p:par>
+    </p:tnLst>
+  </p:timing>
+</p:sld>
+</file>
+
+<file path=ppt/slides/slide4.xml><?xml version="1.0" encoding="utf-8"?>
+<p:sld xmlns:a="http://schemas.openxmlformats.org/drawingml/2006/main" xmlns:r="http://schemas.openxmlformats.org/officeDocument/2006/relationships" xmlns:p="http://schemas.openxmlformats.org/presentationml/2006/main">
+  <p:cSld>
+    <p:spTree>
+      <p:nvGrpSpPr>
+        <p:cNvPr id="1" name=""/>
+        <p:cNvGrpSpPr/>
+        <p:nvPr/>
+      </p:nvGrpSpPr>
+      <p:grpSpPr>
+        <a:xfrm>
+          <a:off x="0" y="0"/>
+          <a:ext cx="0" cy="0"/>
+          <a:chOff x="0" y="0"/>
+          <a:chExt cx="0" cy="0"/>
+        </a:xfrm>
+      </p:grpSpPr>
+      <p:pic>
+        <p:nvPicPr>
+          <p:cNvPr id="5" name="Picture 4"/>
+          <p:cNvPicPr>
+            <a:picLocks noChangeAspect="1"/>
+          </p:cNvPicPr>
+          <p:nvPr/>
+        </p:nvPicPr>
+        <p:blipFill>
+          <a:blip r:embed="rId2">
+            <a:extLst>
+              <a:ext uri="{28A0092B-C50C-407E-A947-70E740481C1C}">
+                <a14:useLocalDpi xmlns:a14="http://schemas.microsoft.com/office/drawing/2010/main" val="0"/>
+              </a:ext>
+            </a:extLst>
+          </a:blip>
+          <a:stretch>
+            <a:fillRect/>
+          </a:stretch>
+        </p:blipFill>
+        <p:spPr>
+          <a:xfrm>
+            <a:off x="1859232" y="0"/>
+            <a:ext cx="8473535" cy="6858000"/>
+          </a:xfrm>
+          <a:prstGeom prst="rect">
+            <a:avLst/>
+          </a:prstGeom>
+        </p:spPr>
+      </p:pic>
+    </p:spTree>
+    <p:extLst>
+      <p:ext uri="{BB962C8B-B14F-4D97-AF65-F5344CB8AC3E}">
+        <p14:creationId xmlns:p14="http://schemas.microsoft.com/office/powerpoint/2010/main" val="2913052526"/>
+      </p:ext>
+    </p:extLst>
+  </p:cSld>
+  <p:clrMapOvr>
+    <a:masterClrMapping/>
+  </p:clrMapOvr>
+</p:sld>
+</file>
+
+<file path=ppt/slides/slide5.xml><?xml version="1.0" encoding="utf-8"?>
+<p:sld xmlns:a="http://schemas.openxmlformats.org/drawingml/2006/main" xmlns:r="http://schemas.openxmlformats.org/officeDocument/2006/relationships" xmlns:p="http://schemas.openxmlformats.org/presentationml/2006/main">
+  <p:cSld>
+    <p:spTree>
+      <p:nvGrpSpPr>
+        <p:cNvPr id="1" name=""/>
+        <p:cNvGrpSpPr/>
+        <p:nvPr/>
+      </p:nvGrpSpPr>
+      <p:grpSpPr>
+        <a:xfrm>
+          <a:off x="0" y="0"/>
+          <a:ext cx="0" cy="0"/>
+          <a:chOff x="0" y="0"/>
+          <a:chExt cx="0" cy="0"/>
+        </a:xfrm>
+      </p:grpSpPr>
+      <p:sp>
+        <p:nvSpPr>
+          <p:cNvPr id="2" name="Title 1"/>
+          <p:cNvSpPr>
+            <a:spLocks noGrp="1"/>
+          </p:cNvSpPr>
+          <p:nvPr>
+            <p:ph type="title"/>
+          </p:nvPr>
+        </p:nvSpPr>
+        <p:spPr/>
+        <p:txBody>
+          <a:bodyPr/>
+          <a:lstStyle/>
+          <a:p>
+            <a:r>
+              <a:rPr lang="fr-BE" u="sng" dirty="0" err="1" smtClean="0"/>
+              <a:t>Example</a:t>
+            </a:r>
+            <a:r>
+              <a:rPr lang="fr-BE" u="sng" dirty="0" smtClean="0"/>
+              <a:t> du client </a:t>
+            </a:r>
+            <a:endParaRPr lang="fr-BE" u="sng" dirty="0"/>
+          </a:p>
+        </p:txBody>
+      </p:sp>
+      <p:sp>
+        <p:nvSpPr>
+          <p:cNvPr id="3" name="Content Placeholder 2"/>
+          <p:cNvSpPr>
+            <a:spLocks noGrp="1"/>
+          </p:cNvSpPr>
+          <p:nvPr>
+            <p:ph idx="1"/>
+          </p:nvPr>
+        </p:nvSpPr>
+        <p:spPr/>
+        <p:txBody>
+          <a:bodyPr>
+            <a:normAutofit/>
+          </a:bodyPr>
+          <a:lstStyle/>
+          <a:p>
+            <a:pPr marL="0" indent="0">
+              <a:buNone/>
+            </a:pPr>
+            <a:r>
+              <a:rPr lang="fr-BE" sz="1400" dirty="0" smtClean="0"/>
+              <a:t>Le </a:t>
+            </a:r>
+            <a:r>
+              <a:rPr lang="fr-BE" sz="1400" dirty="0" err="1" smtClean="0"/>
+              <a:t>protocol</a:t>
+            </a:r>
+            <a:r>
+              <a:rPr lang="fr-BE" sz="1400" dirty="0" smtClean="0"/>
+              <a:t> </a:t>
+            </a:r>
+            <a:r>
+              <a:rPr lang="fr-BE" sz="1400" dirty="0" err="1" smtClean="0"/>
+              <a:t>websocket</a:t>
+            </a:r>
+            <a:r>
+              <a:rPr lang="fr-BE" sz="1400" dirty="0" smtClean="0"/>
+              <a:t> est initialiser dans un site web en utilisant les fonction html5/</a:t>
+            </a:r>
+            <a:r>
+              <a:rPr lang="fr-BE" sz="1400" dirty="0" err="1" smtClean="0"/>
+              <a:t>javascript</a:t>
+            </a:r>
+            <a:r>
+              <a:rPr lang="fr-BE" sz="1400" dirty="0" smtClean="0"/>
+              <a:t> du web socket :</a:t>
+            </a:r>
+          </a:p>
+          <a:p>
+            <a:pPr lvl="1">
+              <a:buFont typeface="Wingdings" panose="05000000000000000000" pitchFamily="2" charset="2"/>
+              <a:buChar char="q"/>
+            </a:pPr>
+            <a:endParaRPr lang="fr-BE" sz="1000" dirty="0" smtClean="0"/>
+          </a:p>
+          <a:p>
+            <a:pPr lvl="1">
+              <a:buFont typeface="Wingdings" panose="05000000000000000000" pitchFamily="2" charset="2"/>
+              <a:buChar char="q"/>
+            </a:pPr>
+            <a:r>
+              <a:rPr lang="fr-BE" sz="1400" b="1" dirty="0" err="1" smtClean="0"/>
+              <a:t>OnOpen</a:t>
+            </a:r>
+            <a:r>
+              <a:rPr lang="fr-BE" sz="1400" b="1" dirty="0" smtClean="0"/>
+              <a:t>()</a:t>
+            </a:r>
+          </a:p>
+          <a:p>
+            <a:pPr lvl="1">
+              <a:buFont typeface="Wingdings" panose="05000000000000000000" pitchFamily="2" charset="2"/>
+              <a:buChar char="q"/>
+            </a:pPr>
+            <a:r>
+              <a:rPr lang="fr-BE" sz="1400" b="1" dirty="0" err="1" smtClean="0"/>
+              <a:t>OnClose</a:t>
+            </a:r>
+            <a:r>
+              <a:rPr lang="fr-BE" sz="1400" b="1" dirty="0" smtClean="0"/>
+              <a:t>()</a:t>
+            </a:r>
+          </a:p>
+          <a:p>
+            <a:pPr lvl="1">
+              <a:buFont typeface="Wingdings" panose="05000000000000000000" pitchFamily="2" charset="2"/>
+              <a:buChar char="q"/>
+            </a:pPr>
+            <a:r>
+              <a:rPr lang="fr-BE" sz="1400" b="1" dirty="0" err="1" smtClean="0"/>
+              <a:t>OnMessage</a:t>
+            </a:r>
+            <a:r>
+              <a:rPr lang="fr-BE" sz="1400" b="1" dirty="0" smtClean="0"/>
+              <a:t>()</a:t>
+            </a:r>
+            <a:r>
+              <a:rPr lang="fr-BE" sz="1400" b="1" dirty="0"/>
+              <a:t>	</a:t>
+            </a:r>
+            <a:endParaRPr lang="fr-BE" sz="1400" b="1" dirty="0" smtClean="0"/>
+          </a:p>
+          <a:p>
+            <a:pPr marL="0" indent="0">
+              <a:buNone/>
+            </a:pPr>
+            <a:endParaRPr lang="fr-BE" sz="1400" dirty="0" smtClean="0"/>
+          </a:p>
+          <a:p>
+            <a:pPr marL="0" indent="0">
+              <a:buNone/>
+            </a:pPr>
+            <a:r>
+              <a:rPr lang="fr-BE" sz="1400" dirty="0" err="1" smtClean="0"/>
+              <a:t>OnOpen</a:t>
+            </a:r>
+            <a:r>
+              <a:rPr lang="fr-BE" sz="1400" dirty="0" smtClean="0"/>
+              <a:t> :</a:t>
+            </a:r>
+          </a:p>
+          <a:p>
+            <a:pPr marL="0" indent="0">
+              <a:buNone/>
+            </a:pPr>
+            <a:r>
+              <a:rPr lang="fr-BE" sz="1400" dirty="0" smtClean="0"/>
+              <a:t>Est initialiser quand le client est connecter au serveur après la phase du </a:t>
+            </a:r>
+            <a:r>
+              <a:rPr lang="fr-BE" sz="1400" dirty="0" err="1" smtClean="0"/>
+              <a:t>handshake</a:t>
+            </a:r>
+            <a:endParaRPr lang="fr-BE" sz="1400" dirty="0" smtClean="0"/>
+          </a:p>
+          <a:p>
+            <a:pPr marL="0" indent="0">
+              <a:buNone/>
+            </a:pPr>
+            <a:r>
+              <a:rPr lang="fr-BE" sz="1400" dirty="0" err="1" smtClean="0"/>
+              <a:t>OnClose</a:t>
+            </a:r>
+            <a:r>
+              <a:rPr lang="fr-BE" sz="1400" dirty="0" smtClean="0"/>
+              <a:t> :</a:t>
+            </a:r>
+          </a:p>
+          <a:p>
+            <a:pPr marL="0" indent="0">
+              <a:buNone/>
+            </a:pPr>
+            <a:r>
+              <a:rPr lang="fr-BE" sz="1400" dirty="0" smtClean="0"/>
+              <a:t>Est initialiser quand le client ferme le connexion avec le serveur</a:t>
+            </a:r>
+          </a:p>
+          <a:p>
+            <a:pPr marL="0" indent="0">
+              <a:buNone/>
+            </a:pPr>
+            <a:r>
+              <a:rPr lang="fr-BE" sz="1400" dirty="0" err="1" smtClean="0"/>
+              <a:t>OnMessage</a:t>
+            </a:r>
+            <a:r>
+              <a:rPr lang="fr-BE" sz="1400" dirty="0" smtClean="0"/>
+              <a:t>:</a:t>
+            </a:r>
+          </a:p>
+          <a:p>
+            <a:pPr marL="0" indent="0">
+              <a:buNone/>
+            </a:pPr>
+            <a:r>
+              <a:rPr lang="fr-BE" sz="1400" dirty="0" smtClean="0"/>
+              <a:t>Quand le client reçoit une message du serveur</a:t>
+            </a:r>
+          </a:p>
+          <a:p>
+            <a:pPr marL="0" indent="0">
+              <a:buNone/>
+            </a:pPr>
+            <a:endParaRPr lang="fr-BE" sz="1400" dirty="0"/>
+          </a:p>
+        </p:txBody>
+      </p:sp>
+    </p:spTree>
+    <p:extLst>
+      <p:ext uri="{BB962C8B-B14F-4D97-AF65-F5344CB8AC3E}">
+        <p14:creationId xmlns:p14="http://schemas.microsoft.com/office/powerpoint/2010/main" val="2577225395"/>
+      </p:ext>
+    </p:extLst>
+  </p:cSld>
+  <p:clrMapOvr>
+    <a:masterClrMapping/>
+  </p:clrMapOvr>
+</p:sld>
+</file>
+
+<file path=ppt/slides/slide6.xml><?xml version="1.0" encoding="utf-8"?>
+<p:sld xmlns:a="http://schemas.openxmlformats.org/drawingml/2006/main" xmlns:r="http://schemas.openxmlformats.org/officeDocument/2006/relationships" xmlns:p="http://schemas.openxmlformats.org/presentationml/2006/main">
+  <p:cSld>
+    <p:spTree>
+      <p:nvGrpSpPr>
+        <p:cNvPr id="1" name=""/>
+        <p:cNvGrpSpPr/>
+        <p:nvPr/>
+      </p:nvGrpSpPr>
+      <p:grpSpPr>
+        <a:xfrm>
+          <a:off x="0" y="0"/>
+          <a:ext cx="0" cy="0"/>
+          <a:chOff x="0" y="0"/>
+          <a:chExt cx="0" cy="0"/>
+        </a:xfrm>
+      </p:grpSpPr>
+      <p:sp>
+        <p:nvSpPr>
+          <p:cNvPr id="2" name="Title 1"/>
+          <p:cNvSpPr>
+            <a:spLocks noGrp="1"/>
+          </p:cNvSpPr>
+          <p:nvPr>
+            <p:ph type="title"/>
+          </p:nvPr>
+        </p:nvSpPr>
+        <p:spPr/>
+        <p:txBody>
+          <a:bodyPr/>
+          <a:lstStyle/>
+          <a:p>
+            <a:r>
+              <a:rPr lang="fr-BE" u="sng" dirty="0" err="1" smtClean="0"/>
+              <a:t>Example</a:t>
+            </a:r>
+            <a:r>
+              <a:rPr lang="fr-BE" u="sng" dirty="0" smtClean="0"/>
+              <a:t> client </a:t>
+            </a:r>
+            <a:endParaRPr lang="fr-BE" u="sng" dirty="0"/>
+          </a:p>
+        </p:txBody>
+      </p:sp>
+      <p:sp>
+        <p:nvSpPr>
+          <p:cNvPr id="3" name="Content Placeholder 2"/>
+          <p:cNvSpPr>
+            <a:spLocks noGrp="1"/>
+          </p:cNvSpPr>
+          <p:nvPr>
+            <p:ph idx="1"/>
+          </p:nvPr>
+        </p:nvSpPr>
+        <p:spPr/>
+        <p:txBody>
+          <a:bodyPr>
+            <a:normAutofit fontScale="47500" lnSpcReduction="20000"/>
+          </a:bodyPr>
+          <a:lstStyle/>
+          <a:p>
+            <a:pPr marL="0" indent="0">
+              <a:buNone/>
+            </a:pPr>
+            <a:r>
+              <a:rPr lang="fr-BE" dirty="0"/>
+              <a:t>if ("</a:t>
+            </a:r>
+            <a:r>
+              <a:rPr lang="fr-BE" dirty="0" err="1"/>
+              <a:t>WebSocket</a:t>
+            </a:r>
+            <a:r>
+              <a:rPr lang="fr-BE" dirty="0"/>
+              <a:t>" in </a:t>
+            </a:r>
+            <a:r>
+              <a:rPr lang="fr-BE" dirty="0" err="1"/>
+              <a:t>window</a:t>
+            </a:r>
+            <a:r>
+              <a:rPr lang="fr-BE" dirty="0"/>
+              <a:t>) {</a:t>
+            </a:r>
+          </a:p>
+          <a:p>
+            <a:pPr marL="0" indent="0">
+              <a:buNone/>
+            </a:pPr>
+            <a:r>
+              <a:rPr lang="fr-BE" dirty="0"/>
+              <a:t>	 //initialiser un </a:t>
+            </a:r>
+            <a:r>
+              <a:rPr lang="fr-BE" dirty="0" err="1"/>
+              <a:t>websocket</a:t>
+            </a:r>
+            <a:r>
+              <a:rPr lang="fr-BE" dirty="0"/>
+              <a:t> </a:t>
+            </a:r>
+            <a:r>
+              <a:rPr lang="fr-BE" dirty="0" err="1"/>
+              <a:t>ws</a:t>
+            </a:r>
+            <a:r>
+              <a:rPr lang="fr-BE" dirty="0"/>
+              <a:t> sur l'IP : 127.0.0.1 et port : 9998 en utilisant le </a:t>
+            </a:r>
+            <a:r>
+              <a:rPr lang="fr-BE" dirty="0" err="1"/>
+              <a:t>protocol</a:t>
+            </a:r>
+            <a:r>
+              <a:rPr lang="fr-BE" dirty="0"/>
+              <a:t> : </a:t>
+            </a:r>
+            <a:r>
+              <a:rPr lang="fr-BE" dirty="0" err="1"/>
+              <a:t>echo-protocol</a:t>
+            </a:r>
+            <a:r>
+              <a:rPr lang="fr-BE" dirty="0"/>
+              <a:t> </a:t>
+            </a:r>
+          </a:p>
+          <a:p>
+            <a:pPr marL="0" indent="0">
+              <a:buNone/>
+            </a:pPr>
+            <a:r>
+              <a:rPr lang="fr-BE" dirty="0"/>
+              <a:t>	  var </a:t>
+            </a:r>
+            <a:r>
+              <a:rPr lang="fr-BE" dirty="0" err="1"/>
+              <a:t>ws</a:t>
+            </a:r>
+            <a:r>
+              <a:rPr lang="fr-BE" dirty="0"/>
+              <a:t> = new </a:t>
+            </a:r>
+            <a:r>
+              <a:rPr lang="fr-BE" dirty="0" err="1"/>
+              <a:t>WebSocket</a:t>
+            </a:r>
+            <a:r>
+              <a:rPr lang="fr-BE" dirty="0"/>
+              <a:t>("</a:t>
+            </a:r>
+            <a:r>
+              <a:rPr lang="fr-BE" dirty="0" err="1"/>
+              <a:t>ws</a:t>
+            </a:r>
+            <a:r>
+              <a:rPr lang="fr-BE" dirty="0"/>
+              <a:t>://localhost:9998/</a:t>
+            </a:r>
+            <a:r>
+              <a:rPr lang="fr-BE" dirty="0" err="1"/>
+              <a:t>echo</a:t>
+            </a:r>
+            <a:r>
+              <a:rPr lang="fr-BE" dirty="0"/>
+              <a:t>","</a:t>
+            </a:r>
+            <a:r>
+              <a:rPr lang="fr-BE" dirty="0" err="1"/>
+              <a:t>echo-protocol</a:t>
+            </a:r>
+            <a:r>
+              <a:rPr lang="fr-BE" dirty="0"/>
+              <a:t>");</a:t>
+            </a:r>
+          </a:p>
+          <a:p>
+            <a:pPr marL="0" indent="0">
+              <a:buNone/>
+            </a:pPr>
+            <a:r>
+              <a:rPr lang="fr-BE" dirty="0"/>
+              <a:t>	  //quand la connexion est </a:t>
+            </a:r>
+            <a:r>
+              <a:rPr lang="fr-BE" dirty="0" err="1"/>
+              <a:t>etablisser</a:t>
+            </a:r>
+            <a:endParaRPr lang="fr-BE" dirty="0"/>
+          </a:p>
+          <a:p>
+            <a:pPr marL="0" indent="0">
+              <a:buNone/>
+            </a:pPr>
+            <a:r>
+              <a:rPr lang="fr-BE" dirty="0"/>
+              <a:t>	  </a:t>
+            </a:r>
+            <a:r>
+              <a:rPr lang="fr-BE" dirty="0" err="1"/>
+              <a:t>ws.onopen</a:t>
+            </a:r>
+            <a:r>
+              <a:rPr lang="fr-BE" dirty="0"/>
+              <a:t> = </a:t>
+            </a:r>
+            <a:r>
+              <a:rPr lang="fr-BE" dirty="0" err="1"/>
+              <a:t>function</a:t>
+            </a:r>
+            <a:r>
+              <a:rPr lang="fr-BE" dirty="0"/>
+              <a:t> (</a:t>
+            </a:r>
+            <a:r>
+              <a:rPr lang="fr-BE" dirty="0" err="1"/>
+              <a:t>event</a:t>
+            </a:r>
+            <a:r>
+              <a:rPr lang="fr-BE" dirty="0"/>
+              <a:t>) {</a:t>
+            </a:r>
+          </a:p>
+          <a:p>
+            <a:pPr marL="0" indent="0">
+              <a:buNone/>
+            </a:pPr>
+            <a:r>
+              <a:rPr lang="fr-BE" dirty="0"/>
+              <a:t>	</a:t>
+            </a:r>
+            <a:r>
+              <a:rPr lang="fr-BE" dirty="0" smtClean="0"/>
+              <a:t>         </a:t>
+            </a:r>
+            <a:r>
+              <a:rPr lang="fr-BE" dirty="0" err="1" smtClean="0"/>
+              <a:t>alert</a:t>
+            </a:r>
+            <a:r>
+              <a:rPr lang="fr-BE" dirty="0"/>
+              <a:t>("vous </a:t>
+            </a:r>
+            <a:r>
+              <a:rPr lang="fr-BE" dirty="0" err="1"/>
+              <a:t>ete</a:t>
+            </a:r>
+            <a:r>
+              <a:rPr lang="fr-BE" dirty="0"/>
+              <a:t> connecter");</a:t>
+            </a:r>
+          </a:p>
+          <a:p>
+            <a:pPr marL="0" indent="0">
+              <a:buNone/>
+            </a:pPr>
+            <a:r>
+              <a:rPr lang="fr-BE" dirty="0"/>
+              <a:t>	</a:t>
+            </a:r>
+            <a:r>
+              <a:rPr lang="fr-BE" dirty="0" smtClean="0"/>
+              <a:t>         // </a:t>
+            </a:r>
+            <a:r>
+              <a:rPr lang="fr-BE" dirty="0" err="1"/>
+              <a:t>envoiyer</a:t>
+            </a:r>
+            <a:r>
+              <a:rPr lang="fr-BE" dirty="0"/>
+              <a:t> une message au serveur </a:t>
+            </a:r>
+          </a:p>
+          <a:p>
+            <a:pPr marL="0" indent="0">
+              <a:buNone/>
+            </a:pPr>
+            <a:r>
+              <a:rPr lang="fr-BE" dirty="0"/>
+              <a:t>	</a:t>
+            </a:r>
+            <a:r>
+              <a:rPr lang="fr-BE" dirty="0" smtClean="0"/>
+              <a:t>        </a:t>
+            </a:r>
+            <a:r>
+              <a:rPr lang="fr-BE" dirty="0" err="1" smtClean="0"/>
+              <a:t>ws.send</a:t>
+            </a:r>
+            <a:r>
+              <a:rPr lang="fr-BE" dirty="0"/>
+              <a:t>("Hi du client");</a:t>
+            </a:r>
+          </a:p>
+          <a:p>
+            <a:pPr marL="0" indent="0">
+              <a:buNone/>
+            </a:pPr>
+            <a:r>
+              <a:rPr lang="fr-BE" dirty="0"/>
+              <a:t>	 };</a:t>
+            </a:r>
+          </a:p>
+          <a:p>
+            <a:pPr marL="0" indent="0">
+              <a:buNone/>
+            </a:pPr>
+            <a:r>
+              <a:rPr lang="fr-BE" dirty="0"/>
+              <a:t>	 </a:t>
+            </a:r>
+            <a:r>
+              <a:rPr lang="fr-BE" dirty="0" err="1"/>
+              <a:t>ws.onclose</a:t>
+            </a:r>
+            <a:r>
+              <a:rPr lang="fr-BE" dirty="0"/>
+              <a:t> = </a:t>
+            </a:r>
+            <a:r>
+              <a:rPr lang="fr-BE" dirty="0" err="1"/>
+              <a:t>function</a:t>
+            </a:r>
+            <a:r>
+              <a:rPr lang="fr-BE" dirty="0"/>
+              <a:t> (</a:t>
+            </a:r>
+            <a:r>
+              <a:rPr lang="fr-BE" dirty="0" err="1"/>
+              <a:t>event</a:t>
+            </a:r>
+            <a:r>
+              <a:rPr lang="fr-BE" dirty="0"/>
+              <a:t>){</a:t>
+            </a:r>
+          </a:p>
+          <a:p>
+            <a:pPr marL="0" indent="0">
+              <a:buNone/>
+            </a:pPr>
+            <a:r>
+              <a:rPr lang="fr-BE" dirty="0"/>
+              <a:t>	</a:t>
+            </a:r>
+            <a:r>
+              <a:rPr lang="fr-BE" dirty="0" smtClean="0"/>
+              <a:t>       </a:t>
+            </a:r>
+            <a:r>
+              <a:rPr lang="fr-BE" dirty="0" err="1" smtClean="0"/>
+              <a:t>alert</a:t>
+            </a:r>
+            <a:r>
+              <a:rPr lang="fr-BE" dirty="0"/>
+              <a:t>("vous </a:t>
+            </a:r>
+            <a:r>
+              <a:rPr lang="fr-BE" dirty="0" err="1"/>
+              <a:t>ete</a:t>
+            </a:r>
+            <a:r>
+              <a:rPr lang="fr-BE" dirty="0"/>
+              <a:t> déconnecter");</a:t>
+            </a:r>
+          </a:p>
+          <a:p>
+            <a:pPr marL="0" indent="0">
+              <a:buNone/>
+            </a:pPr>
+            <a:r>
+              <a:rPr lang="fr-BE" dirty="0"/>
+              <a:t>	 };</a:t>
+            </a:r>
+          </a:p>
+          <a:p>
+            <a:pPr marL="0" indent="0">
+              <a:buNone/>
+            </a:pPr>
+            <a:r>
+              <a:rPr lang="fr-BE" dirty="0"/>
+              <a:t> }</a:t>
+            </a:r>
+          </a:p>
+          <a:p>
+            <a:pPr marL="0" indent="0">
+              <a:buNone/>
+            </a:pPr>
+            <a:r>
+              <a:rPr lang="fr-BE" dirty="0"/>
+              <a:t> </a:t>
+            </a:r>
+            <a:r>
+              <a:rPr lang="fr-BE" dirty="0" err="1"/>
+              <a:t>else</a:t>
+            </a:r>
+            <a:r>
+              <a:rPr lang="fr-BE" dirty="0"/>
+              <a:t>{</a:t>
+            </a:r>
+          </a:p>
+          <a:p>
+            <a:pPr marL="0" indent="0">
+              <a:buNone/>
+            </a:pPr>
+            <a:r>
+              <a:rPr lang="fr-BE" dirty="0"/>
+              <a:t> </a:t>
+            </a:r>
+            <a:r>
+              <a:rPr lang="fr-BE" dirty="0" smtClean="0"/>
+              <a:t>          </a:t>
+            </a:r>
+            <a:r>
+              <a:rPr lang="fr-BE" dirty="0" err="1" smtClean="0"/>
+              <a:t>alert</a:t>
+            </a:r>
+            <a:r>
+              <a:rPr lang="fr-BE" dirty="0"/>
+              <a:t>("votre browser n'</a:t>
+            </a:r>
+            <a:r>
+              <a:rPr lang="fr-BE" dirty="0" err="1"/>
+              <a:t>accept</a:t>
+            </a:r>
+            <a:r>
+              <a:rPr lang="fr-BE" dirty="0"/>
+              <a:t> pas le </a:t>
+            </a:r>
+            <a:r>
+              <a:rPr lang="fr-BE" dirty="0" err="1"/>
+              <a:t>websocket</a:t>
+            </a:r>
+            <a:r>
+              <a:rPr lang="fr-BE" dirty="0"/>
+              <a:t>");</a:t>
+            </a:r>
+          </a:p>
+          <a:p>
+            <a:pPr marL="0" indent="0">
+              <a:buNone/>
+            </a:pPr>
+            <a:r>
+              <a:rPr lang="fr-BE" dirty="0"/>
+              <a:t> }</a:t>
+            </a:r>
+          </a:p>
+        </p:txBody>
+      </p:sp>
+    </p:spTree>
+    <p:extLst>
+      <p:ext uri="{BB962C8B-B14F-4D97-AF65-F5344CB8AC3E}">
+        <p14:creationId xmlns:p14="http://schemas.microsoft.com/office/powerpoint/2010/main" val="1263586867"/>
+      </p:ext>
+    </p:extLst>
+  </p:cSld>
+  <p:clrMapOvr>
+    <a:masterClrMapping/>
+  </p:clrMapOvr>
+</p:sld>
+</file>
+
+<file path=ppt/slides/slide7.xml><?xml version="1.0" encoding="utf-8"?>
+<p:sld xmlns:a="http://schemas.openxmlformats.org/drawingml/2006/main" xmlns:r="http://schemas.openxmlformats.org/officeDocument/2006/relationships" xmlns:p="http://schemas.openxmlformats.org/presentationml/2006/main">
+  <p:cSld>
+    <p:spTree>
+      <p:nvGrpSpPr>
+        <p:cNvPr id="1" name=""/>
+        <p:cNvGrpSpPr/>
+        <p:nvPr/>
+      </p:nvGrpSpPr>
+      <p:grpSpPr>
+        <a:xfrm>
+          <a:off x="0" y="0"/>
+          <a:ext cx="0" cy="0"/>
+          <a:chOff x="0" y="0"/>
+          <a:chExt cx="0" cy="0"/>
+        </a:xfrm>
+      </p:grpSpPr>
+      <p:sp>
+        <p:nvSpPr>
+          <p:cNvPr id="2" name="Title 1"/>
+          <p:cNvSpPr>
+            <a:spLocks noGrp="1"/>
+          </p:cNvSpPr>
+          <p:nvPr>
+            <p:ph type="title"/>
+          </p:nvPr>
+        </p:nvSpPr>
+        <p:spPr/>
+        <p:txBody>
+          <a:bodyPr/>
+          <a:lstStyle/>
+          <a:p>
+            <a:r>
+              <a:rPr lang="fr-BE" u="sng" dirty="0" err="1" smtClean="0"/>
+              <a:t>Example</a:t>
+            </a:r>
+            <a:r>
+              <a:rPr lang="fr-BE" u="sng" dirty="0" smtClean="0"/>
+              <a:t> serveur en C#</a:t>
+            </a:r>
+            <a:endParaRPr lang="fr-BE" u="sng" dirty="0"/>
+          </a:p>
+        </p:txBody>
+      </p:sp>
+      <p:sp>
+        <p:nvSpPr>
+          <p:cNvPr id="3" name="Content Placeholder 2"/>
+          <p:cNvSpPr>
+            <a:spLocks noGrp="1"/>
+          </p:cNvSpPr>
+          <p:nvPr>
+            <p:ph idx="1"/>
+          </p:nvPr>
+        </p:nvSpPr>
+        <p:spPr>
+          <a:xfrm>
+            <a:off x="1" y="1323832"/>
+            <a:ext cx="12192000" cy="5534167"/>
+          </a:xfrm>
+        </p:spPr>
+        <p:txBody>
+          <a:bodyPr>
+            <a:noAutofit/>
+          </a:bodyPr>
+          <a:lstStyle/>
+          <a:p>
+            <a:pPr marL="0" indent="0">
+              <a:buNone/>
+            </a:pPr>
+            <a:r>
+              <a:rPr lang="fr-BE" sz="1200" dirty="0"/>
+              <a:t>​</a:t>
+            </a:r>
+            <a:r>
+              <a:rPr lang="fr-BE" sz="1200" dirty="0" err="1"/>
+              <a:t>using</a:t>
+            </a:r>
+            <a:r>
+              <a:rPr lang="fr-BE" sz="1200" dirty="0"/>
+              <a:t> </a:t>
+            </a:r>
+            <a:r>
+              <a:rPr lang="fr-BE" sz="1200" dirty="0" err="1"/>
+              <a:t>System.Net.Sockets</a:t>
+            </a:r>
+            <a:r>
+              <a:rPr lang="fr-BE" sz="1200" dirty="0"/>
+              <a:t>;</a:t>
+            </a:r>
+          </a:p>
+          <a:p>
+            <a:pPr marL="0" indent="0">
+              <a:buNone/>
+            </a:pPr>
+            <a:r>
+              <a:rPr lang="fr-BE" sz="1200" dirty="0" err="1"/>
+              <a:t>using</a:t>
+            </a:r>
+            <a:r>
+              <a:rPr lang="fr-BE" sz="1200" dirty="0"/>
+              <a:t> </a:t>
+            </a:r>
+            <a:r>
+              <a:rPr lang="fr-BE" sz="1200" dirty="0" err="1"/>
+              <a:t>System.Net</a:t>
+            </a:r>
+            <a:r>
+              <a:rPr lang="fr-BE" sz="1200" dirty="0"/>
+              <a:t>;</a:t>
+            </a:r>
+          </a:p>
+          <a:p>
+            <a:pPr marL="0" indent="0">
+              <a:buNone/>
+            </a:pPr>
+            <a:r>
+              <a:rPr lang="fr-BE" sz="1200" dirty="0" err="1"/>
+              <a:t>using</a:t>
+            </a:r>
+            <a:r>
+              <a:rPr lang="fr-BE" sz="1200" dirty="0"/>
+              <a:t> System</a:t>
+            </a:r>
+            <a:r>
+              <a:rPr lang="fr-BE" sz="1200" dirty="0" smtClean="0"/>
+              <a:t>;</a:t>
+            </a:r>
+            <a:endParaRPr lang="fr-BE" sz="1200" dirty="0"/>
+          </a:p>
+          <a:p>
+            <a:pPr marL="0" indent="0">
+              <a:buNone/>
+            </a:pPr>
+            <a:r>
+              <a:rPr lang="fr-BE" sz="1200" dirty="0"/>
+              <a:t>class Server {</a:t>
+            </a:r>
+          </a:p>
+          <a:p>
+            <a:pPr marL="0" indent="0">
+              <a:buNone/>
+            </a:pPr>
+            <a:r>
+              <a:rPr lang="fr-BE" sz="1200" dirty="0"/>
+              <a:t>    public </a:t>
+            </a:r>
+            <a:r>
+              <a:rPr lang="fr-BE" sz="1200" dirty="0" err="1"/>
+              <a:t>static</a:t>
+            </a:r>
+            <a:r>
+              <a:rPr lang="fr-BE" sz="1200" dirty="0"/>
+              <a:t> </a:t>
+            </a:r>
+            <a:r>
+              <a:rPr lang="fr-BE" sz="1200" dirty="0" err="1"/>
+              <a:t>void</a:t>
+            </a:r>
+            <a:r>
+              <a:rPr lang="fr-BE" sz="1200" dirty="0"/>
+              <a:t> Main() {</a:t>
+            </a:r>
+          </a:p>
+          <a:p>
+            <a:pPr marL="0" indent="0">
+              <a:buNone/>
+            </a:pPr>
+            <a:r>
+              <a:rPr lang="fr-BE" sz="1200" dirty="0"/>
+              <a:t>        </a:t>
+            </a:r>
+            <a:r>
+              <a:rPr lang="fr-BE" sz="1200" dirty="0" err="1"/>
+              <a:t>TcpListener</a:t>
+            </a:r>
+            <a:r>
+              <a:rPr lang="fr-BE" sz="1200" dirty="0"/>
+              <a:t> server = new </a:t>
+            </a:r>
+            <a:r>
+              <a:rPr lang="fr-BE" sz="1200" dirty="0" err="1"/>
+              <a:t>TcpListener</a:t>
+            </a:r>
+            <a:r>
+              <a:rPr lang="fr-BE" sz="1200" dirty="0"/>
+              <a:t>(</a:t>
+            </a:r>
+            <a:r>
+              <a:rPr lang="fr-BE" sz="1200" dirty="0" err="1"/>
+              <a:t>IPAddress.Parse</a:t>
+            </a:r>
+            <a:r>
+              <a:rPr lang="fr-BE" sz="1200" dirty="0"/>
+              <a:t>("127.0.0.1"), 80);</a:t>
+            </a:r>
+          </a:p>
+          <a:p>
+            <a:pPr marL="0" indent="0">
+              <a:buNone/>
+            </a:pPr>
+            <a:r>
+              <a:rPr lang="fr-BE" sz="1200" dirty="0" smtClean="0"/>
+              <a:t>        </a:t>
+            </a:r>
+            <a:r>
+              <a:rPr lang="fr-BE" sz="1200" dirty="0" err="1" smtClean="0"/>
+              <a:t>server.Start</a:t>
+            </a:r>
+            <a:r>
+              <a:rPr lang="fr-BE" sz="1200" dirty="0"/>
+              <a:t>();</a:t>
+            </a:r>
+          </a:p>
+          <a:p>
+            <a:pPr marL="0" indent="0">
+              <a:buNone/>
+            </a:pPr>
+            <a:r>
+              <a:rPr lang="fr-BE" sz="1200" dirty="0"/>
+              <a:t>        </a:t>
+            </a:r>
+            <a:r>
+              <a:rPr lang="fr-BE" sz="1200" dirty="0" err="1"/>
+              <a:t>Console.WriteLine</a:t>
+            </a:r>
+            <a:r>
+              <a:rPr lang="fr-BE" sz="1200" dirty="0"/>
+              <a:t>("Server has </a:t>
+            </a:r>
+            <a:r>
+              <a:rPr lang="fr-BE" sz="1200" dirty="0" err="1"/>
+              <a:t>started</a:t>
+            </a:r>
+            <a:r>
+              <a:rPr lang="fr-BE" sz="1200" dirty="0"/>
+              <a:t> on 127.0.0.1:80.{0}</a:t>
+            </a:r>
+            <a:r>
+              <a:rPr lang="fr-BE" sz="1200" dirty="0" err="1"/>
+              <a:t>Waiting</a:t>
+            </a:r>
+            <a:r>
+              <a:rPr lang="fr-BE" sz="1200" dirty="0"/>
+              <a:t> for a </a:t>
+            </a:r>
+            <a:r>
+              <a:rPr lang="fr-BE" sz="1200" dirty="0" err="1"/>
+              <a:t>connection</a:t>
+            </a:r>
+            <a:r>
+              <a:rPr lang="fr-BE" sz="1200" dirty="0"/>
+              <a:t>...", </a:t>
+            </a:r>
+            <a:r>
+              <a:rPr lang="fr-BE" sz="1200" dirty="0" err="1"/>
+              <a:t>Environment.NewLine</a:t>
+            </a:r>
+            <a:r>
+              <a:rPr lang="fr-BE" sz="1200" dirty="0" smtClean="0"/>
+              <a:t>);</a:t>
+            </a:r>
+            <a:endParaRPr lang="fr-BE" sz="1200" dirty="0"/>
+          </a:p>
+          <a:p>
+            <a:pPr marL="0" indent="0">
+              <a:buNone/>
+            </a:pPr>
+            <a:r>
+              <a:rPr lang="fr-BE" sz="1200" dirty="0"/>
+              <a:t>        </a:t>
+            </a:r>
+            <a:r>
+              <a:rPr lang="fr-BE" sz="1200" dirty="0" err="1"/>
+              <a:t>TcpClient</a:t>
+            </a:r>
+            <a:r>
+              <a:rPr lang="fr-BE" sz="1200" dirty="0"/>
+              <a:t> client = </a:t>
+            </a:r>
+            <a:r>
+              <a:rPr lang="fr-BE" sz="1200" dirty="0" err="1"/>
+              <a:t>server.AcceptTcpClient</a:t>
+            </a:r>
+            <a:r>
+              <a:rPr lang="fr-BE" sz="1200" dirty="0" smtClean="0"/>
+              <a:t>();</a:t>
+            </a:r>
+            <a:endParaRPr lang="fr-BE" sz="1200" dirty="0"/>
+          </a:p>
+          <a:p>
+            <a:pPr marL="0" indent="0">
+              <a:buNone/>
+            </a:pPr>
+            <a:r>
+              <a:rPr lang="fr-BE" sz="1200" dirty="0"/>
+              <a:t>        </a:t>
+            </a:r>
+            <a:r>
+              <a:rPr lang="fr-BE" sz="1200" dirty="0" err="1"/>
+              <a:t>Console.WriteLine</a:t>
+            </a:r>
+            <a:r>
+              <a:rPr lang="fr-BE" sz="1200" dirty="0"/>
+              <a:t>("A client </a:t>
+            </a:r>
+            <a:r>
+              <a:rPr lang="fr-BE" sz="1200" dirty="0" err="1"/>
+              <a:t>connected</a:t>
+            </a:r>
+            <a:r>
+              <a:rPr lang="fr-BE" sz="1200" dirty="0"/>
+              <a:t>.");</a:t>
+            </a:r>
+          </a:p>
+          <a:p>
+            <a:pPr marL="0" indent="0">
+              <a:buNone/>
+            </a:pPr>
+            <a:r>
+              <a:rPr lang="fr-BE" sz="1200" dirty="0" smtClean="0"/>
+              <a:t>       </a:t>
+            </a:r>
+            <a:r>
+              <a:rPr lang="fr-BE" sz="1200" dirty="0" err="1" smtClean="0"/>
+              <a:t>NetworkStream</a:t>
+            </a:r>
+            <a:r>
+              <a:rPr lang="fr-BE" sz="1200" dirty="0" smtClean="0"/>
+              <a:t> </a:t>
+            </a:r>
+            <a:r>
+              <a:rPr lang="fr-BE" sz="1200" dirty="0" err="1"/>
+              <a:t>stream</a:t>
+            </a:r>
+            <a:r>
+              <a:rPr lang="fr-BE" sz="1200" dirty="0"/>
+              <a:t> = </a:t>
+            </a:r>
+            <a:r>
+              <a:rPr lang="fr-BE" sz="1200" dirty="0" err="1"/>
+              <a:t>client.GetStream</a:t>
+            </a:r>
+            <a:r>
+              <a:rPr lang="fr-BE" sz="1200" dirty="0" smtClean="0"/>
+              <a:t>();</a:t>
+            </a:r>
+          </a:p>
+          <a:p>
+            <a:pPr marL="0" indent="0">
+              <a:buNone/>
+            </a:pPr>
+            <a:r>
+              <a:rPr lang="fr-BE" sz="1200" dirty="0"/>
+              <a:t> </a:t>
+            </a:r>
+            <a:r>
+              <a:rPr lang="fr-BE" sz="1200" dirty="0" smtClean="0"/>
+              <a:t>     //</a:t>
+            </a:r>
+            <a:r>
+              <a:rPr lang="fr-BE" sz="1200" dirty="0"/>
+              <a:t>enter to an </a:t>
+            </a:r>
+            <a:r>
+              <a:rPr lang="fr-BE" sz="1200" dirty="0" err="1"/>
+              <a:t>infinite</a:t>
+            </a:r>
+            <a:r>
+              <a:rPr lang="fr-BE" sz="1200" dirty="0"/>
+              <a:t> cycle to </a:t>
+            </a:r>
+            <a:r>
+              <a:rPr lang="fr-BE" sz="1200" dirty="0" err="1"/>
+              <a:t>be</a:t>
+            </a:r>
+            <a:r>
+              <a:rPr lang="fr-BE" sz="1200" dirty="0"/>
+              <a:t> able to </a:t>
+            </a:r>
+            <a:r>
+              <a:rPr lang="fr-BE" sz="1200" dirty="0" err="1"/>
+              <a:t>handle</a:t>
+            </a:r>
+            <a:r>
+              <a:rPr lang="fr-BE" sz="1200" dirty="0"/>
+              <a:t> </a:t>
+            </a:r>
+            <a:r>
+              <a:rPr lang="fr-BE" sz="1200" dirty="0" err="1"/>
+              <a:t>every</a:t>
+            </a:r>
+            <a:r>
+              <a:rPr lang="fr-BE" sz="1200" dirty="0"/>
+              <a:t> change in </a:t>
+            </a:r>
+            <a:r>
+              <a:rPr lang="fr-BE" sz="1200" dirty="0" err="1"/>
+              <a:t>stream</a:t>
+            </a:r>
+            <a:endParaRPr lang="fr-BE" sz="1200" dirty="0"/>
+          </a:p>
+          <a:p>
+            <a:pPr marL="0" indent="0">
+              <a:buNone/>
+            </a:pPr>
+            <a:r>
+              <a:rPr lang="fr-BE" sz="1200" dirty="0" smtClean="0"/>
+              <a:t>     </a:t>
+            </a:r>
+            <a:r>
+              <a:rPr lang="fr-BE" sz="1200" dirty="0" err="1" smtClean="0"/>
+              <a:t>while</a:t>
+            </a:r>
+            <a:r>
+              <a:rPr lang="fr-BE" sz="1200" dirty="0" smtClean="0"/>
+              <a:t> </a:t>
+            </a:r>
+            <a:r>
+              <a:rPr lang="fr-BE" sz="1200" dirty="0"/>
+              <a:t>(</a:t>
+            </a:r>
+            <a:r>
+              <a:rPr lang="fr-BE" sz="1200" dirty="0" err="1"/>
+              <a:t>true</a:t>
+            </a:r>
+            <a:r>
+              <a:rPr lang="fr-BE" sz="1200" dirty="0"/>
+              <a:t>) {</a:t>
+            </a:r>
+          </a:p>
+          <a:p>
+            <a:pPr marL="0" indent="0">
+              <a:buNone/>
+            </a:pPr>
+            <a:r>
+              <a:rPr lang="fr-BE" sz="1200" dirty="0"/>
+              <a:t>	</a:t>
+            </a:r>
+            <a:r>
+              <a:rPr lang="fr-BE" sz="1200" dirty="0" err="1" smtClean="0"/>
+              <a:t>while</a:t>
+            </a:r>
+            <a:r>
+              <a:rPr lang="fr-BE" sz="1200" dirty="0" smtClean="0"/>
+              <a:t> </a:t>
+            </a:r>
+            <a:r>
+              <a:rPr lang="fr-BE" sz="1200" dirty="0"/>
+              <a:t>(!</a:t>
+            </a:r>
+            <a:r>
+              <a:rPr lang="fr-BE" sz="1200" dirty="0" err="1"/>
+              <a:t>stream.DataAvailable</a:t>
+            </a:r>
+            <a:r>
+              <a:rPr lang="fr-BE" sz="1200" dirty="0"/>
+              <a:t>);</a:t>
+            </a:r>
+          </a:p>
+          <a:p>
+            <a:pPr marL="0" indent="0">
+              <a:buNone/>
+            </a:pPr>
+            <a:r>
+              <a:rPr lang="fr-BE" sz="1200" dirty="0"/>
+              <a:t>	</a:t>
+            </a:r>
+            <a:r>
+              <a:rPr lang="fr-BE" sz="1200" dirty="0" smtClean="0"/>
+              <a:t>Byte</a:t>
+            </a:r>
+            <a:r>
+              <a:rPr lang="fr-BE" sz="1200" dirty="0"/>
+              <a:t>[] bytes = new Byte[</a:t>
+            </a:r>
+            <a:r>
+              <a:rPr lang="fr-BE" sz="1200" dirty="0" err="1"/>
+              <a:t>client.Available</a:t>
+            </a:r>
+            <a:r>
+              <a:rPr lang="fr-BE" sz="1200" dirty="0"/>
+              <a:t>];</a:t>
+            </a:r>
+          </a:p>
+          <a:p>
+            <a:pPr marL="0" indent="0">
+              <a:buNone/>
+            </a:pPr>
+            <a:r>
+              <a:rPr lang="fr-BE" sz="1200" dirty="0"/>
+              <a:t>	</a:t>
+            </a:r>
+            <a:r>
+              <a:rPr lang="fr-BE" sz="1200" dirty="0" err="1" smtClean="0"/>
+              <a:t>stream.Read</a:t>
+            </a:r>
+            <a:r>
+              <a:rPr lang="fr-BE" sz="1200" dirty="0" smtClean="0"/>
+              <a:t>(bytes</a:t>
+            </a:r>
+            <a:r>
+              <a:rPr lang="fr-BE" sz="1200" dirty="0"/>
+              <a:t>, 0, </a:t>
+            </a:r>
+            <a:r>
+              <a:rPr lang="fr-BE" sz="1200" dirty="0" err="1"/>
+              <a:t>bytes.Length</a:t>
+            </a:r>
+            <a:r>
+              <a:rPr lang="fr-BE" sz="1200" dirty="0"/>
+              <a:t>);</a:t>
+            </a:r>
+          </a:p>
+          <a:p>
+            <a:pPr marL="0" indent="0">
+              <a:buNone/>
+            </a:pPr>
+            <a:r>
+              <a:rPr lang="fr-BE" sz="1200" dirty="0"/>
+              <a:t>	</a:t>
+            </a:r>
+            <a:r>
+              <a:rPr lang="fr-BE" sz="1200" dirty="0" smtClean="0"/>
+              <a:t>//</a:t>
+            </a:r>
+            <a:r>
+              <a:rPr lang="fr-BE" sz="1200" dirty="0"/>
+              <a:t>translate bytes of </a:t>
+            </a:r>
+            <a:r>
+              <a:rPr lang="fr-BE" sz="1200" dirty="0" err="1"/>
+              <a:t>request</a:t>
+            </a:r>
+            <a:r>
+              <a:rPr lang="fr-BE" sz="1200" dirty="0"/>
+              <a:t> to string</a:t>
+            </a:r>
+          </a:p>
+          <a:p>
+            <a:pPr marL="0" indent="0">
+              <a:buNone/>
+            </a:pPr>
+            <a:r>
+              <a:rPr lang="fr-BE" sz="1200" dirty="0"/>
+              <a:t>	</a:t>
+            </a:r>
+            <a:r>
+              <a:rPr lang="fr-BE" sz="1200" dirty="0" smtClean="0"/>
+              <a:t>string </a:t>
+            </a:r>
+            <a:r>
+              <a:rPr lang="fr-BE" sz="1200" dirty="0"/>
+              <a:t>data = Encoding.UTF8.GetString(bytes</a:t>
+            </a:r>
+            <a:r>
+              <a:rPr lang="fr-BE" sz="1200" dirty="0" smtClean="0"/>
+              <a:t>);</a:t>
+            </a:r>
+            <a:endParaRPr lang="fr-BE" sz="1200" dirty="0"/>
+          </a:p>
+        </p:txBody>
+      </p:sp>
+    </p:spTree>
+    <p:extLst>
+      <p:ext uri="{BB962C8B-B14F-4D97-AF65-F5344CB8AC3E}">
+        <p14:creationId xmlns:p14="http://schemas.microsoft.com/office/powerpoint/2010/main" val="4036342620"/>
+      </p:ext>
+    </p:extLst>
+  </p:cSld>
+  <p:clrMapOvr>
+    <a:masterClrMapping/>
+  </p:clrMapOvr>
+</p:sld>
+</file>
+
+<file path=ppt/slides/slide8.xml><?xml version="1.0" encoding="utf-8"?>
+<p:sld xmlns:a="http://schemas.openxmlformats.org/drawingml/2006/main" xmlns:r="http://schemas.openxmlformats.org/officeDocument/2006/relationships" xmlns:p="http://schemas.openxmlformats.org/presentationml/2006/main">
+  <p:cSld>
+    <p:spTree>
+      <p:nvGrpSpPr>
+        <p:cNvPr id="1" name=""/>
+        <p:cNvGrpSpPr/>
+        <p:nvPr/>
+      </p:nvGrpSpPr>
+      <p:grpSpPr>
+        <a:xfrm>
+          <a:off x="0" y="0"/>
+          <a:ext cx="0" cy="0"/>
+          <a:chOff x="0" y="0"/>
+          <a:chExt cx="0" cy="0"/>
+        </a:xfrm>
+      </p:grpSpPr>
+      <p:sp>
+        <p:nvSpPr>
+          <p:cNvPr id="3" name="Content Placeholder 2"/>
+          <p:cNvSpPr>
+            <a:spLocks noGrp="1"/>
+          </p:cNvSpPr>
+          <p:nvPr>
+            <p:ph idx="1"/>
+          </p:nvPr>
+        </p:nvSpPr>
+        <p:spPr>
+          <a:xfrm>
+            <a:off x="0" y="0"/>
+            <a:ext cx="12192000" cy="6858000"/>
+          </a:xfrm>
+        </p:spPr>
+        <p:txBody>
+          <a:bodyPr>
+            <a:normAutofit lnSpcReduction="10000"/>
+          </a:bodyPr>
+          <a:lstStyle/>
+          <a:p>
+            <a:pPr marL="0" indent="0">
+              <a:buNone/>
+            </a:pPr>
+            <a:endParaRPr lang="fr-BE" sz="1200" dirty="0"/>
+          </a:p>
+          <a:p>
+            <a:pPr marL="0" indent="0">
+              <a:buNone/>
+            </a:pPr>
+            <a:r>
+              <a:rPr lang="fr-BE" sz="1200" dirty="0" smtClean="0"/>
+              <a:t>if </a:t>
+            </a:r>
+            <a:r>
+              <a:rPr lang="fr-BE" sz="1200" dirty="0"/>
+              <a:t>(new </a:t>
+            </a:r>
+            <a:r>
+              <a:rPr lang="fr-BE" sz="1200" dirty="0" err="1"/>
+              <a:t>Regex</a:t>
+            </a:r>
+            <a:r>
+              <a:rPr lang="fr-BE" sz="1200" dirty="0"/>
+              <a:t>("^GET").</a:t>
+            </a:r>
+            <a:r>
+              <a:rPr lang="fr-BE" sz="1200" dirty="0" err="1"/>
+              <a:t>IsMatch</a:t>
+            </a:r>
+            <a:r>
+              <a:rPr lang="fr-BE" sz="1200" dirty="0"/>
+              <a:t>(data)) // </a:t>
+            </a:r>
+            <a:r>
+              <a:rPr lang="fr-BE" sz="1200" dirty="0" err="1"/>
+              <a:t>Handshaking</a:t>
+            </a:r>
+            <a:r>
+              <a:rPr lang="fr-BE" sz="1200" dirty="0"/>
+              <a:t> </a:t>
+            </a:r>
+            <a:r>
+              <a:rPr lang="fr-BE" sz="1200" dirty="0" err="1"/>
+              <a:t>protocol</a:t>
+            </a:r>
+            <a:endParaRPr lang="fr-BE" sz="1200" dirty="0"/>
+          </a:p>
+          <a:p>
+            <a:pPr marL="0" indent="0">
+              <a:buNone/>
+            </a:pPr>
+            <a:r>
+              <a:rPr lang="fr-BE" sz="1200" dirty="0" smtClean="0"/>
+              <a:t>{</a:t>
+            </a:r>
+            <a:endParaRPr lang="fr-BE" sz="1200" dirty="0"/>
+          </a:p>
+          <a:p>
+            <a:pPr marL="0" indent="0">
+              <a:buNone/>
+            </a:pPr>
+            <a:r>
+              <a:rPr lang="fr-BE" sz="1200" dirty="0" smtClean="0"/>
+              <a:t>                </a:t>
+            </a:r>
+            <a:r>
+              <a:rPr lang="fr-BE" sz="1200" dirty="0"/>
+              <a:t>Byte[] </a:t>
+            </a:r>
+            <a:r>
+              <a:rPr lang="fr-BE" sz="1200" dirty="0" err="1"/>
+              <a:t>response</a:t>
+            </a:r>
+            <a:r>
+              <a:rPr lang="fr-BE" sz="1200" dirty="0"/>
+              <a:t> = Encoding.UTF8.GetBytes("HTTP/1.1 101 </a:t>
+            </a:r>
+            <a:r>
+              <a:rPr lang="fr-BE" sz="1200" dirty="0" err="1"/>
+              <a:t>Switching</a:t>
+            </a:r>
+            <a:r>
+              <a:rPr lang="fr-BE" sz="1200" dirty="0"/>
+              <a:t> </a:t>
+            </a:r>
+            <a:r>
+              <a:rPr lang="fr-BE" sz="1200" dirty="0" err="1"/>
+              <a:t>Protocols</a:t>
+            </a:r>
+            <a:r>
+              <a:rPr lang="fr-BE" sz="1200" dirty="0"/>
+              <a:t>" + </a:t>
+            </a:r>
+            <a:r>
+              <a:rPr lang="fr-BE" sz="1200" dirty="0" err="1"/>
+              <a:t>Environment.NewLine</a:t>
+            </a:r>
+            <a:endParaRPr lang="fr-BE" sz="1200" dirty="0"/>
+          </a:p>
+          <a:p>
+            <a:pPr marL="0" indent="0">
+              <a:buNone/>
+            </a:pPr>
+            <a:r>
+              <a:rPr lang="fr-BE" sz="1200" dirty="0"/>
+              <a:t>                    + "</a:t>
+            </a:r>
+            <a:r>
+              <a:rPr lang="fr-BE" sz="1200" dirty="0" err="1"/>
+              <a:t>Connection</a:t>
+            </a:r>
+            <a:r>
+              <a:rPr lang="fr-BE" sz="1200" dirty="0"/>
+              <a:t>: Upgrade" + </a:t>
+            </a:r>
+            <a:r>
+              <a:rPr lang="fr-BE" sz="1200" dirty="0" err="1"/>
+              <a:t>Environment.NewLine</a:t>
+            </a:r>
+            <a:endParaRPr lang="fr-BE" sz="1200" dirty="0"/>
+          </a:p>
+          <a:p>
+            <a:pPr marL="0" indent="0">
+              <a:buNone/>
+            </a:pPr>
+            <a:r>
+              <a:rPr lang="fr-BE" sz="1200" dirty="0"/>
+              <a:t>                    + "Upgrade: </a:t>
+            </a:r>
+            <a:r>
+              <a:rPr lang="fr-BE" sz="1200" dirty="0" err="1"/>
+              <a:t>websocket</a:t>
+            </a:r>
+            <a:r>
+              <a:rPr lang="fr-BE" sz="1200" dirty="0"/>
+              <a:t>" + </a:t>
+            </a:r>
+            <a:r>
+              <a:rPr lang="fr-BE" sz="1200" dirty="0" err="1"/>
+              <a:t>Environment.NewLine</a:t>
+            </a:r>
+            <a:endParaRPr lang="fr-BE" sz="1200" dirty="0"/>
+          </a:p>
+          <a:p>
+            <a:pPr marL="0" indent="0">
+              <a:buNone/>
+            </a:pPr>
+            <a:r>
+              <a:rPr lang="fr-BE" sz="1200" dirty="0"/>
+              <a:t>                    + "Sec-</a:t>
+            </a:r>
+            <a:r>
+              <a:rPr lang="fr-BE" sz="1200" dirty="0" err="1"/>
+              <a:t>WebSocket</a:t>
+            </a:r>
+            <a:r>
+              <a:rPr lang="fr-BE" sz="1200" dirty="0"/>
+              <a:t>-</a:t>
+            </a:r>
+            <a:r>
+              <a:rPr lang="fr-BE" sz="1200" dirty="0" err="1"/>
+              <a:t>Accept</a:t>
+            </a:r>
+            <a:r>
+              <a:rPr lang="fr-BE" sz="1200" dirty="0"/>
+              <a:t>: " + Convert.ToBase64String(</a:t>
+            </a:r>
+          </a:p>
+          <a:p>
+            <a:pPr marL="0" indent="0">
+              <a:buNone/>
+            </a:pPr>
+            <a:r>
+              <a:rPr lang="fr-BE" sz="1200" dirty="0"/>
+              <a:t>                        SHA1.Create().</a:t>
+            </a:r>
+            <a:r>
+              <a:rPr lang="fr-BE" sz="1200" dirty="0" err="1"/>
+              <a:t>ComputeHash</a:t>
+            </a:r>
+            <a:r>
+              <a:rPr lang="fr-BE" sz="1200" dirty="0"/>
+              <a:t>(</a:t>
+            </a:r>
+          </a:p>
+          <a:p>
+            <a:pPr marL="0" indent="0">
+              <a:buNone/>
+            </a:pPr>
+            <a:r>
+              <a:rPr lang="fr-BE" sz="1200" dirty="0"/>
+              <a:t>                            Encoding.UTF8.GetBytes(</a:t>
+            </a:r>
+          </a:p>
+          <a:p>
+            <a:pPr marL="0" indent="0">
+              <a:buNone/>
+            </a:pPr>
+            <a:r>
+              <a:rPr lang="fr-BE" sz="1200" dirty="0"/>
+              <a:t>                                new </a:t>
+            </a:r>
+            <a:r>
+              <a:rPr lang="fr-BE" sz="1200" dirty="0" err="1"/>
+              <a:t>Regex</a:t>
+            </a:r>
+            <a:r>
+              <a:rPr lang="fr-BE" sz="1200" dirty="0"/>
+              <a:t>("Sec-</a:t>
+            </a:r>
+            <a:r>
+              <a:rPr lang="fr-BE" sz="1200" dirty="0" err="1"/>
+              <a:t>WebSocket</a:t>
+            </a:r>
+            <a:r>
+              <a:rPr lang="fr-BE" sz="1200" dirty="0"/>
+              <a:t>-Key: (.*)").Match(data).Groups[1].</a:t>
+            </a:r>
+            <a:r>
+              <a:rPr lang="fr-BE" sz="1200" dirty="0" err="1"/>
+              <a:t>Value.Trim</a:t>
+            </a:r>
+            <a:r>
+              <a:rPr lang="fr-BE" sz="1200" dirty="0"/>
+              <a:t>() + WEBSOCKET_HASH_KEY</a:t>
+            </a:r>
+          </a:p>
+          <a:p>
+            <a:pPr marL="0" indent="0">
+              <a:buNone/>
+            </a:pPr>
+            <a:r>
+              <a:rPr lang="fr-BE" sz="1200" dirty="0"/>
+              <a:t>                            )</a:t>
+            </a:r>
+          </a:p>
+          <a:p>
+            <a:pPr marL="0" indent="0">
+              <a:buNone/>
+            </a:pPr>
+            <a:r>
+              <a:rPr lang="fr-BE" sz="1200" dirty="0"/>
+              <a:t>                        )</a:t>
+            </a:r>
+          </a:p>
+          <a:p>
+            <a:pPr marL="0" indent="0">
+              <a:buNone/>
+            </a:pPr>
+            <a:r>
+              <a:rPr lang="fr-BE" sz="1200" dirty="0"/>
+              <a:t>                    ) + </a:t>
+            </a:r>
+            <a:r>
+              <a:rPr lang="fr-BE" sz="1200" dirty="0" err="1"/>
+              <a:t>Environment.NewLine</a:t>
+            </a:r>
+            <a:endParaRPr lang="fr-BE" sz="1200" dirty="0"/>
+          </a:p>
+          <a:p>
+            <a:pPr marL="0" indent="0">
+              <a:buNone/>
+            </a:pPr>
+            <a:r>
+              <a:rPr lang="fr-BE" sz="1200" dirty="0"/>
+              <a:t>                    + </a:t>
+            </a:r>
+            <a:r>
+              <a:rPr lang="fr-BE" sz="1200" dirty="0" err="1"/>
+              <a:t>Environment.NewLine</a:t>
+            </a:r>
+            <a:r>
+              <a:rPr lang="fr-BE" sz="1200" dirty="0" smtClean="0"/>
+              <a:t>);</a:t>
+            </a:r>
+            <a:endParaRPr lang="fr-BE" sz="1200" dirty="0"/>
+          </a:p>
+          <a:p>
+            <a:pPr marL="0" indent="0">
+              <a:buNone/>
+            </a:pPr>
+            <a:r>
+              <a:rPr lang="fr-BE" sz="1200" dirty="0"/>
+              <a:t>                </a:t>
+            </a:r>
+            <a:r>
+              <a:rPr lang="fr-BE" sz="1200" dirty="0" err="1"/>
+              <a:t>stream.Write</a:t>
+            </a:r>
+            <a:r>
+              <a:rPr lang="fr-BE" sz="1200" dirty="0"/>
+              <a:t>(</a:t>
+            </a:r>
+            <a:r>
+              <a:rPr lang="fr-BE" sz="1200" dirty="0" err="1"/>
+              <a:t>response</a:t>
+            </a:r>
+            <a:r>
+              <a:rPr lang="fr-BE" sz="1200" dirty="0"/>
+              <a:t>, 0, </a:t>
+            </a:r>
+            <a:r>
+              <a:rPr lang="fr-BE" sz="1200" dirty="0" err="1"/>
+              <a:t>response.Length</a:t>
+            </a:r>
+            <a:r>
+              <a:rPr lang="fr-BE" sz="1200" dirty="0"/>
+              <a:t>);</a:t>
+            </a:r>
+          </a:p>
+          <a:p>
+            <a:pPr marL="0" indent="0">
+              <a:buNone/>
+            </a:pPr>
+            <a:r>
+              <a:rPr lang="fr-BE" sz="1200" dirty="0"/>
+              <a:t>                </a:t>
+            </a:r>
+            <a:r>
+              <a:rPr lang="fr-BE" sz="1200" dirty="0" err="1"/>
+              <a:t>Console.WriteLine</a:t>
+            </a:r>
+            <a:r>
+              <a:rPr lang="fr-BE" sz="1200" dirty="0"/>
+              <a:t>("</a:t>
+            </a:r>
+            <a:r>
+              <a:rPr lang="fr-BE" sz="1200" dirty="0" err="1"/>
+              <a:t>Handchaking</a:t>
+            </a:r>
+            <a:r>
+              <a:rPr lang="fr-BE" sz="1200" dirty="0"/>
+              <a:t> </a:t>
+            </a:r>
+            <a:r>
+              <a:rPr lang="fr-BE" sz="1200" dirty="0" err="1"/>
+              <a:t>completed</a:t>
+            </a:r>
+            <a:r>
+              <a:rPr lang="fr-BE" sz="1200" dirty="0"/>
+              <a:t>.");</a:t>
+            </a:r>
+          </a:p>
+          <a:p>
+            <a:pPr marL="0" indent="0">
+              <a:buNone/>
+            </a:pPr>
+            <a:r>
+              <a:rPr lang="fr-BE" sz="1200" dirty="0"/>
+              <a:t>            }</a:t>
+            </a:r>
+          </a:p>
+          <a:p>
+            <a:pPr marL="0" indent="0">
+              <a:buNone/>
+            </a:pPr>
+            <a:r>
+              <a:rPr lang="fr-BE" sz="1200" dirty="0"/>
+              <a:t>            </a:t>
+            </a:r>
+            <a:r>
+              <a:rPr lang="fr-BE" sz="1200" dirty="0" err="1"/>
+              <a:t>else</a:t>
+            </a:r>
+            <a:endParaRPr lang="fr-BE" sz="1200" dirty="0"/>
+          </a:p>
+          <a:p>
+            <a:pPr marL="0" indent="0">
+              <a:buNone/>
+            </a:pPr>
+            <a:r>
+              <a:rPr lang="fr-BE" sz="1200" dirty="0"/>
+              <a:t>            </a:t>
+            </a:r>
+            <a:r>
+              <a:rPr lang="fr-BE" sz="1200" dirty="0" smtClean="0"/>
+              <a:t>{</a:t>
+            </a:r>
+          </a:p>
+          <a:p>
+            <a:pPr marL="0" indent="0">
+              <a:buNone/>
+            </a:pPr>
+            <a:r>
+              <a:rPr lang="fr-BE" sz="1200" dirty="0" smtClean="0"/>
+              <a:t>	// </a:t>
+            </a:r>
+            <a:r>
+              <a:rPr lang="fr-BE" sz="1200" dirty="0" err="1"/>
+              <a:t>envoiyer</a:t>
+            </a:r>
+            <a:r>
+              <a:rPr lang="fr-BE" sz="1200" dirty="0"/>
+              <a:t> des message normal</a:t>
+            </a:r>
+          </a:p>
+          <a:p>
+            <a:pPr marL="0" indent="0">
+              <a:buNone/>
+            </a:pPr>
+            <a:r>
+              <a:rPr lang="fr-BE" sz="1200" dirty="0"/>
+              <a:t> </a:t>
+            </a:r>
+            <a:r>
+              <a:rPr lang="fr-BE" sz="1200" dirty="0" smtClean="0"/>
+              <a:t>           }</a:t>
+            </a:r>
+            <a:endParaRPr lang="fr-BE" sz="1200" dirty="0"/>
+          </a:p>
+          <a:p>
+            <a:pPr marL="0" indent="0">
+              <a:buNone/>
+            </a:pPr>
+            <a:r>
+              <a:rPr lang="fr-BE" sz="1200" dirty="0" smtClean="0"/>
+              <a:t>       } // en </a:t>
+            </a:r>
+            <a:r>
+              <a:rPr lang="fr-BE" sz="1200" dirty="0" err="1" smtClean="0"/>
+              <a:t>while</a:t>
+            </a:r>
+            <a:endParaRPr lang="fr-BE" sz="1200" dirty="0"/>
+          </a:p>
+          <a:p>
+            <a:pPr marL="0" indent="0">
+              <a:buNone/>
+            </a:pPr>
+            <a:r>
+              <a:rPr lang="fr-BE" sz="1200" dirty="0"/>
+              <a:t>    </a:t>
+            </a:r>
+            <a:r>
+              <a:rPr lang="fr-BE" sz="1200" dirty="0" smtClean="0"/>
+              <a:t>}// end main</a:t>
+            </a:r>
+            <a:endParaRPr lang="fr-BE" sz="1200" dirty="0"/>
+          </a:p>
+          <a:p>
+            <a:pPr marL="0" indent="0">
+              <a:buNone/>
+            </a:pPr>
+            <a:r>
+              <a:rPr lang="fr-BE" sz="1200" dirty="0" smtClean="0"/>
+              <a:t>}// end class</a:t>
+            </a:r>
+            <a:endParaRPr lang="fr-BE" sz="1200" dirty="0"/>
+          </a:p>
+          <a:p>
+            <a:pPr marL="0" indent="0">
+              <a:buNone/>
+            </a:pPr>
+            <a:endParaRPr lang="fr-BE" sz="1200" dirty="0"/>
+          </a:p>
+        </p:txBody>
+      </p:sp>
+    </p:spTree>
+    <p:extLst>
+      <p:ext uri="{BB962C8B-B14F-4D97-AF65-F5344CB8AC3E}">
+        <p14:creationId xmlns:p14="http://schemas.microsoft.com/office/powerpoint/2010/main" val="4133404642"/>
+      </p:ext>
+    </p:extLst>
+  </p:cSld>
+  <p:clrMapOvr>
+    <a:masterClrMapping/>
+  </p:clrMapOvr>
+</p:sld>
+</file>
+
+<file path=ppt/slides/slide9.xml><?xml version="1.0" encoding="utf-8"?>
+<p:sld xmlns:a="http://schemas.openxmlformats.org/drawingml/2006/main" xmlns:r="http://schemas.openxmlformats.org/officeDocument/2006/relationships" xmlns:p="http://schemas.openxmlformats.org/presentationml/2006/main">
+  <p:cSld>
+    <p:spTree>
+      <p:nvGrpSpPr>
+        <p:cNvPr id="1" name=""/>
+        <p:cNvGrpSpPr/>
+        <p:nvPr/>
+      </p:nvGrpSpPr>
+      <p:grpSpPr>
+        <a:xfrm>
+          <a:off x="0" y="0"/>
+          <a:ext cx="0" cy="0"/>
+          <a:chOff x="0" y="0"/>
+          <a:chExt cx="0" cy="0"/>
+        </a:xfrm>
+      </p:grpSpPr>
+      <p:sp>
+        <p:nvSpPr>
+          <p:cNvPr id="3" name="Content Placeholder 2"/>
+          <p:cNvSpPr>
+            <a:spLocks noGrp="1"/>
+          </p:cNvSpPr>
+          <p:nvPr>
+            <p:ph idx="1"/>
+          </p:nvPr>
+        </p:nvSpPr>
+        <p:spPr>
+          <a:xfrm>
+            <a:off x="0" y="0"/>
+            <a:ext cx="12192000" cy="6858000"/>
+          </a:xfrm>
+        </p:spPr>
+        <p:txBody>
+          <a:bodyPr>
+            <a:normAutofit fontScale="47500" lnSpcReduction="20000"/>
+          </a:bodyPr>
+          <a:lstStyle/>
+          <a:p>
+            <a:pPr marL="0" indent="0">
+              <a:buNone/>
+            </a:pPr>
+            <a:r>
+              <a:rPr lang="fr-BE" sz="2500" dirty="0" err="1"/>
+              <a:t>TcpListener</a:t>
+            </a:r>
+            <a:r>
+              <a:rPr lang="fr-BE" sz="2500" dirty="0"/>
+              <a:t> server = new </a:t>
+            </a:r>
+            <a:r>
+              <a:rPr lang="fr-BE" sz="2500" dirty="0" err="1"/>
+              <a:t>TcpListener</a:t>
+            </a:r>
+            <a:r>
+              <a:rPr lang="fr-BE" sz="2500" dirty="0"/>
+              <a:t>(</a:t>
+            </a:r>
+            <a:r>
+              <a:rPr lang="fr-BE" sz="2500" dirty="0" err="1"/>
+              <a:t>IPAddress.Parse</a:t>
+            </a:r>
+            <a:r>
+              <a:rPr lang="fr-BE" sz="2500" dirty="0"/>
+              <a:t>("127.0.0.1"), </a:t>
+            </a:r>
+            <a:r>
+              <a:rPr lang="fr-BE" sz="2500" dirty="0" smtClean="0"/>
+              <a:t>9998);</a:t>
+            </a:r>
+            <a:endParaRPr lang="fr-BE" sz="2500" dirty="0"/>
+          </a:p>
+          <a:p>
+            <a:pPr marL="0" indent="0">
+              <a:buNone/>
+            </a:pPr>
+            <a:r>
+              <a:rPr lang="fr-BE" sz="2500" dirty="0"/>
+              <a:t> </a:t>
+            </a:r>
+            <a:r>
+              <a:rPr lang="fr-BE" sz="2500" dirty="0" err="1"/>
+              <a:t>server.Start</a:t>
+            </a:r>
+            <a:r>
+              <a:rPr lang="fr-BE" sz="2500" dirty="0" smtClean="0"/>
+              <a:t>();</a:t>
+            </a:r>
+          </a:p>
+          <a:p>
+            <a:pPr marL="0" indent="0">
+              <a:buNone/>
+            </a:pPr>
+            <a:r>
+              <a:rPr lang="fr-BE" sz="2500" dirty="0"/>
+              <a:t> </a:t>
+            </a:r>
+            <a:r>
+              <a:rPr lang="fr-BE" sz="2500" dirty="0" err="1"/>
+              <a:t>TcpClient</a:t>
+            </a:r>
+            <a:r>
+              <a:rPr lang="fr-BE" sz="2500" dirty="0"/>
+              <a:t> client = </a:t>
+            </a:r>
+            <a:r>
+              <a:rPr lang="fr-BE" sz="2500" dirty="0" err="1"/>
+              <a:t>server.AcceptTcpClient</a:t>
+            </a:r>
+            <a:r>
+              <a:rPr lang="fr-BE" sz="2500" dirty="0"/>
+              <a:t>();</a:t>
+            </a:r>
+          </a:p>
+          <a:p>
+            <a:pPr marL="0" indent="0">
+              <a:buNone/>
+            </a:pPr>
+            <a:r>
+              <a:rPr lang="fr-BE" sz="2500" b="1" dirty="0" err="1"/>
+              <a:t>TcpListener</a:t>
+            </a:r>
+            <a:r>
+              <a:rPr lang="fr-BE" sz="2500" b="1" dirty="0"/>
+              <a:t> server = new </a:t>
+            </a:r>
+            <a:r>
+              <a:rPr lang="fr-BE" sz="2500" b="1" dirty="0" err="1"/>
+              <a:t>TcpListener</a:t>
+            </a:r>
+            <a:r>
+              <a:rPr lang="fr-BE" sz="2500" b="1" dirty="0"/>
+              <a:t>(</a:t>
+            </a:r>
+            <a:r>
+              <a:rPr lang="fr-BE" sz="2500" b="1" dirty="0" err="1"/>
+              <a:t>IPAddress.Parse</a:t>
+            </a:r>
+            <a:r>
+              <a:rPr lang="fr-BE" sz="2500" b="1" dirty="0"/>
+              <a:t>("127.0.0.1"), 9998</a:t>
+            </a:r>
+            <a:r>
+              <a:rPr lang="fr-BE" sz="2500" b="1" dirty="0" smtClean="0"/>
+              <a:t>);</a:t>
+            </a:r>
+            <a:r>
+              <a:rPr lang="fr-BE" sz="2500" dirty="0" smtClean="0"/>
+              <a:t> Initialisation du </a:t>
+            </a:r>
+            <a:r>
+              <a:rPr lang="fr-BE" sz="2500" dirty="0" err="1" smtClean="0"/>
+              <a:t>TcpListiner</a:t>
+            </a:r>
+            <a:r>
+              <a:rPr lang="fr-BE" sz="2500" dirty="0" smtClean="0"/>
+              <a:t> class qui va écouter sur le </a:t>
+            </a:r>
+            <a:r>
+              <a:rPr lang="fr-BE" sz="2500" dirty="0" err="1" smtClean="0"/>
+              <a:t>L’ip</a:t>
+            </a:r>
+            <a:r>
+              <a:rPr lang="fr-BE" sz="2500" dirty="0" smtClean="0"/>
+              <a:t> 127.0.0.1 et port 9998 </a:t>
+            </a:r>
+          </a:p>
+          <a:p>
+            <a:pPr marL="0" indent="0">
+              <a:buNone/>
+            </a:pPr>
+            <a:r>
+              <a:rPr lang="fr-BE" sz="2500" b="1" dirty="0"/>
+              <a:t> </a:t>
+            </a:r>
+            <a:r>
+              <a:rPr lang="fr-BE" sz="2500" b="1" dirty="0" err="1"/>
+              <a:t>server.Start</a:t>
+            </a:r>
+            <a:r>
+              <a:rPr lang="fr-BE" sz="2500" b="1" dirty="0" smtClean="0"/>
+              <a:t>();</a:t>
+            </a:r>
+            <a:r>
+              <a:rPr lang="fr-BE" sz="2500" dirty="0" smtClean="0"/>
+              <a:t> Start le serveur </a:t>
+            </a:r>
+          </a:p>
+          <a:p>
+            <a:pPr marL="0" indent="0">
+              <a:buNone/>
+            </a:pPr>
+            <a:r>
+              <a:rPr lang="fr-BE" sz="2500" b="1" dirty="0" err="1"/>
+              <a:t>TcpClient</a:t>
+            </a:r>
+            <a:r>
+              <a:rPr lang="fr-BE" sz="2500" b="1" dirty="0"/>
+              <a:t> client = </a:t>
+            </a:r>
+            <a:r>
+              <a:rPr lang="fr-BE" sz="2500" b="1" dirty="0" err="1"/>
+              <a:t>server.AcceptTcpClient</a:t>
+            </a:r>
+            <a:r>
+              <a:rPr lang="fr-BE" sz="2500" b="1" dirty="0" smtClean="0"/>
+              <a:t>(); </a:t>
+            </a:r>
+            <a:r>
+              <a:rPr lang="fr-BE" sz="2500" dirty="0" smtClean="0"/>
+              <a:t>accepter le client qui va être connecter </a:t>
+            </a:r>
+          </a:p>
+          <a:p>
+            <a:pPr marL="0" indent="0">
+              <a:buNone/>
+            </a:pPr>
+            <a:endParaRPr lang="en-US" sz="2500" b="1" dirty="0" smtClean="0"/>
+          </a:p>
+          <a:p>
+            <a:pPr marL="0" indent="0">
+              <a:buNone/>
+            </a:pPr>
+            <a:r>
+              <a:rPr lang="fr-BE" sz="2500" b="1" dirty="0"/>
+              <a:t> Byte[] bytes = new Byte[</a:t>
+            </a:r>
+            <a:r>
+              <a:rPr lang="fr-BE" sz="2500" b="1" dirty="0" err="1"/>
+              <a:t>client.Available</a:t>
+            </a:r>
+            <a:r>
+              <a:rPr lang="fr-BE" sz="2500" b="1" dirty="0" smtClean="0"/>
+              <a:t>];</a:t>
+            </a:r>
+            <a:endParaRPr lang="fr-BE" sz="2500" b="1" dirty="0"/>
+          </a:p>
+          <a:p>
+            <a:pPr marL="0" indent="0">
+              <a:buNone/>
+            </a:pPr>
+            <a:r>
+              <a:rPr lang="fr-BE" sz="2500" b="1" dirty="0"/>
+              <a:t> </a:t>
+            </a:r>
+            <a:r>
+              <a:rPr lang="fr-BE" sz="2500" b="1" dirty="0" err="1" smtClean="0"/>
+              <a:t>stream.Read</a:t>
+            </a:r>
+            <a:r>
+              <a:rPr lang="fr-BE" sz="2500" b="1" dirty="0" smtClean="0"/>
+              <a:t>(bytes</a:t>
+            </a:r>
+            <a:r>
+              <a:rPr lang="fr-BE" sz="2500" b="1" dirty="0"/>
+              <a:t>, 0, </a:t>
+            </a:r>
+            <a:r>
+              <a:rPr lang="fr-BE" sz="2500" b="1" dirty="0" err="1"/>
+              <a:t>bytes.Length</a:t>
+            </a:r>
+            <a:r>
+              <a:rPr lang="fr-BE" sz="2500" b="1" dirty="0"/>
+              <a:t>);</a:t>
+            </a:r>
+          </a:p>
+          <a:p>
+            <a:pPr marL="0" indent="0">
+              <a:buNone/>
+            </a:pPr>
+            <a:r>
+              <a:rPr lang="fr-BE" sz="2500" b="1" dirty="0" smtClean="0"/>
+              <a:t>// </a:t>
+            </a:r>
+            <a:r>
+              <a:rPr lang="fr-BE" sz="2500" b="1" dirty="0"/>
+              <a:t>translate bytes of </a:t>
+            </a:r>
+            <a:r>
+              <a:rPr lang="fr-BE" sz="2500" b="1" dirty="0" err="1"/>
+              <a:t>request</a:t>
+            </a:r>
+            <a:r>
+              <a:rPr lang="fr-BE" sz="2500" b="1" dirty="0"/>
+              <a:t> to string</a:t>
+            </a:r>
+          </a:p>
+          <a:p>
+            <a:pPr marL="0" indent="0">
+              <a:buNone/>
+            </a:pPr>
+            <a:r>
+              <a:rPr lang="fr-BE" sz="2500" b="1" dirty="0" smtClean="0"/>
+              <a:t>string </a:t>
+            </a:r>
+            <a:r>
+              <a:rPr lang="fr-BE" sz="2500" b="1" dirty="0"/>
+              <a:t>data = Encoding.UTF8.GetString(bytes</a:t>
+            </a:r>
+            <a:r>
+              <a:rPr lang="fr-BE" sz="2500" b="1" dirty="0" smtClean="0"/>
+              <a:t>);</a:t>
+            </a:r>
+            <a:endParaRPr lang="fr-BE" sz="2500" b="1" dirty="0"/>
+          </a:p>
+          <a:p>
+            <a:pPr marL="0" indent="0">
+              <a:buNone/>
+            </a:pPr>
+            <a:r>
+              <a:rPr lang="fr-BE" sz="2500" b="1" dirty="0" smtClean="0"/>
+              <a:t>if </a:t>
+            </a:r>
+            <a:r>
+              <a:rPr lang="fr-BE" sz="2500" b="1" dirty="0"/>
+              <a:t>(new </a:t>
+            </a:r>
+            <a:r>
+              <a:rPr lang="fr-BE" sz="2500" b="1" dirty="0" err="1"/>
+              <a:t>Regex</a:t>
+            </a:r>
+            <a:r>
+              <a:rPr lang="fr-BE" sz="2500" b="1" dirty="0"/>
+              <a:t>("^GET").</a:t>
+            </a:r>
+            <a:r>
+              <a:rPr lang="fr-BE" sz="2500" b="1" dirty="0" err="1"/>
+              <a:t>IsMatch</a:t>
+            </a:r>
+            <a:r>
+              <a:rPr lang="fr-BE" sz="2500" b="1" dirty="0"/>
+              <a:t>(data)) // </a:t>
+            </a:r>
+            <a:r>
+              <a:rPr lang="fr-BE" sz="2500" b="1" dirty="0" err="1"/>
+              <a:t>Handshaking</a:t>
+            </a:r>
+            <a:r>
+              <a:rPr lang="fr-BE" sz="2500" b="1" dirty="0"/>
+              <a:t> </a:t>
+            </a:r>
+            <a:r>
+              <a:rPr lang="fr-BE" sz="2500" b="1" dirty="0" err="1"/>
+              <a:t>protocol</a:t>
+            </a:r>
+            <a:endParaRPr lang="fr-BE" sz="2500" b="1" dirty="0"/>
+          </a:p>
+          <a:p>
+            <a:pPr marL="0" indent="0">
+              <a:buNone/>
+            </a:pPr>
+            <a:r>
+              <a:rPr lang="fr-BE" sz="2500" b="1" dirty="0" smtClean="0"/>
+              <a:t>{</a:t>
+            </a:r>
+            <a:endParaRPr lang="fr-BE" sz="2500" b="1" dirty="0"/>
+          </a:p>
+          <a:p>
+            <a:pPr marL="0" indent="0">
+              <a:buNone/>
+            </a:pPr>
+            <a:r>
+              <a:rPr lang="fr-BE" sz="2500" b="1" dirty="0" smtClean="0"/>
+              <a:t>   Byte</a:t>
+            </a:r>
+            <a:r>
+              <a:rPr lang="fr-BE" sz="2500" b="1" dirty="0"/>
+              <a:t>[] </a:t>
+            </a:r>
+            <a:r>
+              <a:rPr lang="fr-BE" sz="2500" b="1" dirty="0" err="1"/>
+              <a:t>response</a:t>
+            </a:r>
+            <a:r>
+              <a:rPr lang="fr-BE" sz="2500" b="1" dirty="0"/>
+              <a:t> = Encoding.UTF8.GetBytes("HTTP/1.1 101 </a:t>
+            </a:r>
+            <a:r>
+              <a:rPr lang="fr-BE" sz="2500" b="1" dirty="0" err="1"/>
+              <a:t>Switching</a:t>
+            </a:r>
+            <a:r>
+              <a:rPr lang="fr-BE" sz="2500" b="1" dirty="0"/>
+              <a:t> </a:t>
+            </a:r>
+            <a:r>
+              <a:rPr lang="fr-BE" sz="2500" b="1" dirty="0" err="1"/>
+              <a:t>Protocols</a:t>
+            </a:r>
+            <a:r>
+              <a:rPr lang="fr-BE" sz="2500" b="1" dirty="0"/>
+              <a:t>" + </a:t>
+            </a:r>
+            <a:r>
+              <a:rPr lang="fr-BE" sz="2500" b="1" dirty="0" err="1"/>
+              <a:t>Environment.NewLine</a:t>
+            </a:r>
+            <a:endParaRPr lang="fr-BE" sz="2500" b="1" dirty="0"/>
+          </a:p>
+          <a:p>
+            <a:pPr marL="0" indent="0">
+              <a:buNone/>
+            </a:pPr>
+            <a:r>
+              <a:rPr lang="fr-BE" sz="2500" b="1" dirty="0" smtClean="0"/>
+              <a:t>   + </a:t>
+            </a:r>
+            <a:r>
+              <a:rPr lang="fr-BE" sz="2500" b="1" dirty="0"/>
+              <a:t>"</a:t>
+            </a:r>
+            <a:r>
+              <a:rPr lang="fr-BE" sz="2500" b="1" dirty="0" err="1"/>
+              <a:t>Connection</a:t>
+            </a:r>
+            <a:r>
+              <a:rPr lang="fr-BE" sz="2500" b="1" dirty="0"/>
+              <a:t>: Upgrade" + </a:t>
+            </a:r>
+            <a:r>
+              <a:rPr lang="fr-BE" sz="2500" b="1" dirty="0" err="1"/>
+              <a:t>Environment.NewLine</a:t>
+            </a:r>
+            <a:endParaRPr lang="fr-BE" sz="2500" b="1" dirty="0"/>
+          </a:p>
+          <a:p>
+            <a:pPr marL="0" indent="0">
+              <a:buNone/>
+            </a:pPr>
+            <a:r>
+              <a:rPr lang="fr-BE" sz="2500" b="1" dirty="0" smtClean="0"/>
+              <a:t>   + </a:t>
+            </a:r>
+            <a:r>
+              <a:rPr lang="fr-BE" sz="2500" b="1" dirty="0"/>
+              <a:t>"Upgrade: </a:t>
+            </a:r>
+            <a:r>
+              <a:rPr lang="fr-BE" sz="2500" b="1" dirty="0" err="1"/>
+              <a:t>websocket</a:t>
+            </a:r>
+            <a:r>
+              <a:rPr lang="fr-BE" sz="2500" b="1" dirty="0"/>
+              <a:t>" + </a:t>
+            </a:r>
+            <a:r>
+              <a:rPr lang="fr-BE" sz="2500" b="1" dirty="0" err="1"/>
+              <a:t>Environment.NewLine</a:t>
+            </a:r>
+            <a:endParaRPr lang="fr-BE" sz="2500" b="1" dirty="0"/>
+          </a:p>
+          <a:p>
+            <a:pPr marL="0" indent="0">
+              <a:buNone/>
+            </a:pPr>
+            <a:r>
+              <a:rPr lang="fr-BE" sz="2500" b="1" dirty="0" smtClean="0"/>
+              <a:t>   + </a:t>
+            </a:r>
+            <a:r>
+              <a:rPr lang="fr-BE" sz="2500" b="1" dirty="0"/>
+              <a:t>"Sec-</a:t>
+            </a:r>
+            <a:r>
+              <a:rPr lang="fr-BE" sz="2500" b="1" dirty="0" err="1"/>
+              <a:t>WebSocket</a:t>
+            </a:r>
+            <a:r>
+              <a:rPr lang="fr-BE" sz="2500" b="1" dirty="0"/>
+              <a:t>-</a:t>
+            </a:r>
+            <a:r>
+              <a:rPr lang="fr-BE" sz="2500" b="1" dirty="0" err="1"/>
+              <a:t>Accept</a:t>
+            </a:r>
+            <a:r>
+              <a:rPr lang="fr-BE" sz="2500" b="1" dirty="0"/>
+              <a:t>: " + Convert.ToBase64String(</a:t>
+            </a:r>
+          </a:p>
+          <a:p>
+            <a:pPr marL="0" indent="0">
+              <a:buNone/>
+            </a:pPr>
+            <a:r>
+              <a:rPr lang="fr-BE" sz="2500" b="1" dirty="0" smtClean="0"/>
+              <a:t>   SHA1.Create</a:t>
+            </a:r>
+            <a:r>
+              <a:rPr lang="fr-BE" sz="2500" b="1" dirty="0"/>
+              <a:t>().</a:t>
+            </a:r>
+            <a:r>
+              <a:rPr lang="fr-BE" sz="2500" b="1" dirty="0" err="1"/>
+              <a:t>ComputeHash</a:t>
+            </a:r>
+            <a:r>
+              <a:rPr lang="fr-BE" sz="2500" b="1" dirty="0"/>
+              <a:t>(</a:t>
+            </a:r>
+          </a:p>
+          <a:p>
+            <a:pPr marL="0" indent="0">
+              <a:buNone/>
+            </a:pPr>
+            <a:r>
+              <a:rPr lang="fr-BE" sz="2500" b="1" dirty="0" smtClean="0"/>
+              <a:t>   Encoding.UTF8.GetBytes</a:t>
+            </a:r>
+            <a:r>
+              <a:rPr lang="fr-BE" sz="2500" b="1" dirty="0"/>
+              <a:t>(</a:t>
+            </a:r>
+          </a:p>
+          <a:p>
+            <a:pPr marL="0" indent="0">
+              <a:buNone/>
+            </a:pPr>
+            <a:r>
+              <a:rPr lang="fr-BE" sz="2500" b="1" dirty="0" smtClean="0"/>
+              <a:t>        new </a:t>
+            </a:r>
+            <a:r>
+              <a:rPr lang="fr-BE" sz="2500" b="1" dirty="0" err="1"/>
+              <a:t>Regex</a:t>
+            </a:r>
+            <a:r>
+              <a:rPr lang="fr-BE" sz="2500" b="1" dirty="0"/>
+              <a:t>("Sec-</a:t>
+            </a:r>
+            <a:r>
+              <a:rPr lang="fr-BE" sz="2500" b="1" dirty="0" err="1"/>
+              <a:t>WebSocket</a:t>
+            </a:r>
+            <a:r>
+              <a:rPr lang="fr-BE" sz="2500" b="1" dirty="0"/>
+              <a:t>-Key: (.*)").Match(data).Groups[1].</a:t>
+            </a:r>
+            <a:r>
+              <a:rPr lang="fr-BE" sz="2500" b="1" dirty="0" err="1"/>
+              <a:t>Value.Trim</a:t>
+            </a:r>
+            <a:r>
+              <a:rPr lang="fr-BE" sz="2500" b="1" dirty="0"/>
+              <a:t>() + WEBSOCKET_HASH_KEY</a:t>
+            </a:r>
+          </a:p>
+          <a:p>
+            <a:pPr marL="0" indent="0">
+              <a:buNone/>
+            </a:pPr>
+            <a:r>
+              <a:rPr lang="fr-BE" sz="2500" b="1" dirty="0"/>
+              <a:t>                            )</a:t>
+            </a:r>
+          </a:p>
+          <a:p>
+            <a:pPr marL="0" indent="0">
+              <a:buNone/>
+            </a:pPr>
+            <a:r>
+              <a:rPr lang="fr-BE" sz="2500" b="1" dirty="0"/>
+              <a:t>                        )</a:t>
+            </a:r>
+          </a:p>
+          <a:p>
+            <a:pPr marL="0" indent="0">
+              <a:buNone/>
+            </a:pPr>
+            <a:r>
+              <a:rPr lang="fr-BE" sz="2500" b="1" dirty="0"/>
+              <a:t>                    ) + </a:t>
+            </a:r>
+            <a:r>
+              <a:rPr lang="fr-BE" sz="2500" b="1" dirty="0" err="1"/>
+              <a:t>Environment.NewLine</a:t>
+            </a:r>
+            <a:endParaRPr lang="fr-BE" sz="2500" b="1" dirty="0"/>
+          </a:p>
+          <a:p>
+            <a:pPr marL="0" indent="0">
+              <a:buNone/>
+            </a:pPr>
+            <a:r>
+              <a:rPr lang="fr-BE" sz="2500" b="1" dirty="0"/>
+              <a:t>                    + </a:t>
+            </a:r>
+            <a:r>
+              <a:rPr lang="fr-BE" sz="2500" b="1" dirty="0" err="1"/>
+              <a:t>Environment.NewLine</a:t>
+            </a:r>
+            <a:r>
+              <a:rPr lang="fr-BE" sz="2500" b="1" dirty="0" smtClean="0"/>
+              <a:t>);</a:t>
+            </a:r>
+            <a:endParaRPr lang="fr-BE" sz="2500" b="1" dirty="0"/>
+          </a:p>
+          <a:p>
+            <a:pPr marL="0" indent="0">
+              <a:buNone/>
+            </a:pPr>
+            <a:r>
+              <a:rPr lang="fr-BE" sz="2500" b="1" dirty="0"/>
+              <a:t>                </a:t>
+            </a:r>
+            <a:r>
+              <a:rPr lang="fr-BE" sz="2500" b="1" dirty="0" err="1"/>
+              <a:t>stream.Write</a:t>
+            </a:r>
+            <a:r>
+              <a:rPr lang="fr-BE" sz="2500" b="1" dirty="0"/>
+              <a:t>(</a:t>
+            </a:r>
+            <a:r>
+              <a:rPr lang="fr-BE" sz="2500" b="1" dirty="0" err="1"/>
+              <a:t>response</a:t>
+            </a:r>
+            <a:r>
+              <a:rPr lang="fr-BE" sz="2500" b="1" dirty="0"/>
+              <a:t>, 0, </a:t>
+            </a:r>
+            <a:r>
+              <a:rPr lang="fr-BE" sz="2500" b="1" dirty="0" err="1"/>
+              <a:t>response.Length</a:t>
+            </a:r>
+            <a:r>
+              <a:rPr lang="fr-BE" sz="2500" b="1" dirty="0"/>
+              <a:t>);</a:t>
+            </a:r>
+          </a:p>
+          <a:p>
+            <a:pPr marL="0" indent="0">
+              <a:buNone/>
+            </a:pPr>
+            <a:r>
+              <a:rPr lang="fr-BE" sz="2500" b="1" dirty="0"/>
+              <a:t>                </a:t>
+            </a:r>
+            <a:r>
+              <a:rPr lang="fr-BE" sz="2500" b="1" dirty="0" err="1"/>
+              <a:t>Console.WriteLine</a:t>
+            </a:r>
+            <a:r>
+              <a:rPr lang="fr-BE" sz="2500" b="1" dirty="0"/>
+              <a:t>("</a:t>
+            </a:r>
+            <a:r>
+              <a:rPr lang="fr-BE" sz="2500" b="1" dirty="0" err="1"/>
+              <a:t>Handchaking</a:t>
+            </a:r>
+            <a:r>
+              <a:rPr lang="fr-BE" sz="2500" b="1" dirty="0"/>
+              <a:t> </a:t>
+            </a:r>
+            <a:r>
+              <a:rPr lang="fr-BE" sz="2500" b="1" dirty="0" err="1"/>
+              <a:t>completed</a:t>
+            </a:r>
+            <a:r>
+              <a:rPr lang="fr-BE" sz="2500" b="1" dirty="0"/>
+              <a:t>.");</a:t>
+            </a:r>
+          </a:p>
+          <a:p>
+            <a:pPr marL="0" indent="0">
+              <a:buNone/>
+            </a:pPr>
+            <a:r>
+              <a:rPr lang="fr-BE" sz="2500" b="1" dirty="0" smtClean="0"/>
+              <a:t>}</a:t>
+            </a:r>
+            <a:endParaRPr lang="fr-BE" sz="2500" b="1" dirty="0"/>
+          </a:p>
+          <a:p>
+            <a:pPr marL="0" indent="0">
+              <a:buNone/>
+            </a:pPr>
+            <a:endParaRPr lang="fr-BE" sz="1400" dirty="0" smtClean="0"/>
+          </a:p>
+          <a:p>
+            <a:pPr marL="0" indent="0">
+              <a:buNone/>
+            </a:pPr>
+            <a:endParaRPr lang="fr-BE" sz="1400" dirty="0"/>
+          </a:p>
+        </p:txBody>
+      </p:sp>
+    </p:spTree>
+    <p:extLst>
+      <p:ext uri="{BB962C8B-B14F-4D97-AF65-F5344CB8AC3E}">
+        <p14:creationId xmlns:p14="http://schemas.microsoft.com/office/powerpoint/2010/main" val="618226426"/>
+      </p:ext>
+    </p:extLst>
+  </p:cSld>
+  <p:clrMapOvr>
+    <a:masterClrMapping/>
+  </p:clrMapOvr>
+  <p:timing>
+    <p:tnLst>
+      <p:par>
+        <p:cTn id="1" dur="indefinite" restart="never" nodeType="tmRoot"/>
+      </p:par>
+    </p:tnLst>
+  </p:timing>
 </p:sld>
 </file>
 
